--- a/2015-10_Lecture/Lecture4/2015-10-26_Autoencoders_Recursive_NN.pptx
+++ b/2015-10_Lecture/Lecture4/2015-10-26_Autoencoders_Recursive_NN.pptx
@@ -177,7 +177,7 @@
   </p:defaultTextStyle>
   <p:extLst>
     <p:ext uri="{521415D9-36F7-43E2-AB2F-B90AF26B5E84}">
-      <p14:sectionLst xmlns:p14="http://schemas.microsoft.com/office/powerpoint/2010/main">
+      <p14:sectionLst xmlns:p14="http://schemas.microsoft.com/office/powerpoint/2010/main" xmlns="">
         <p14:section name="Standardabschnitt" id="{741CDDC6-C5F4-4F71-BBC5-F19839CD522C}">
           <p14:sldIdLst>
             <p14:sldId id="261"/>
@@ -557,7 +557,7 @@
     </p:spTree>
     <p:extLst>
       <p:ext uri="{BB962C8B-B14F-4D97-AF65-F5344CB8AC3E}">
-        <p14:creationId xmlns:p14="http://schemas.microsoft.com/office/powerpoint/2010/main" val="204784040"/>
+        <p14:creationId xmlns:p14="http://schemas.microsoft.com/office/powerpoint/2010/main" xmlns="" val="204784040"/>
       </p:ext>
     </p:extLst>
   </p:cSld>
@@ -2145,7 +2145,7 @@
     </p:spTree>
     <p:extLst>
       <p:ext uri="{BB962C8B-B14F-4D97-AF65-F5344CB8AC3E}">
-        <p14:creationId xmlns:p14="http://schemas.microsoft.com/office/powerpoint/2010/main" val="430041809"/>
+        <p14:creationId xmlns:p14="http://schemas.microsoft.com/office/powerpoint/2010/main" xmlns="" val="430041809"/>
       </p:ext>
     </p:extLst>
   </p:cSld>
@@ -2295,7 +2295,7 @@
     </p:spTree>
     <p:extLst>
       <p:ext uri="{BB962C8B-B14F-4D97-AF65-F5344CB8AC3E}">
-        <p14:creationId xmlns:p14="http://schemas.microsoft.com/office/powerpoint/2010/main" val="4017665434"/>
+        <p14:creationId xmlns:p14="http://schemas.microsoft.com/office/powerpoint/2010/main" xmlns="" val="4017665434"/>
       </p:ext>
     </p:extLst>
   </p:cSld>
@@ -2469,7 +2469,7 @@
     </p:spTree>
     <p:extLst>
       <p:ext uri="{BB962C8B-B14F-4D97-AF65-F5344CB8AC3E}">
-        <p14:creationId xmlns:p14="http://schemas.microsoft.com/office/powerpoint/2010/main" val="3362462582"/>
+        <p14:creationId xmlns:p14="http://schemas.microsoft.com/office/powerpoint/2010/main" xmlns="" val="3362462582"/>
       </p:ext>
     </p:extLst>
   </p:cSld>
@@ -2739,7 +2739,7 @@
     </p:spTree>
     <p:extLst>
       <p:ext uri="{BB962C8B-B14F-4D97-AF65-F5344CB8AC3E}">
-        <p14:creationId xmlns:p14="http://schemas.microsoft.com/office/powerpoint/2010/main" val="2798271479"/>
+        <p14:creationId xmlns:p14="http://schemas.microsoft.com/office/powerpoint/2010/main" xmlns="" val="2798271479"/>
       </p:ext>
     </p:extLst>
   </p:cSld>
@@ -3148,7 +3148,7 @@
     </p:spTree>
     <p:extLst>
       <p:ext uri="{BB962C8B-B14F-4D97-AF65-F5344CB8AC3E}">
-        <p14:creationId xmlns:p14="http://schemas.microsoft.com/office/powerpoint/2010/main" val="2447124884"/>
+        <p14:creationId xmlns:p14="http://schemas.microsoft.com/office/powerpoint/2010/main" xmlns="" val="2447124884"/>
       </p:ext>
     </p:extLst>
   </p:cSld>
@@ -3248,7 +3248,7 @@
     </p:spTree>
     <p:extLst>
       <p:ext uri="{BB962C8B-B14F-4D97-AF65-F5344CB8AC3E}">
-        <p14:creationId xmlns:p14="http://schemas.microsoft.com/office/powerpoint/2010/main" val="1162209267"/>
+        <p14:creationId xmlns:p14="http://schemas.microsoft.com/office/powerpoint/2010/main" xmlns="" val="1162209267"/>
       </p:ext>
     </p:extLst>
   </p:cSld>
@@ -3325,7 +3325,7 @@
     </p:spTree>
     <p:extLst>
       <p:ext uri="{BB962C8B-B14F-4D97-AF65-F5344CB8AC3E}">
-        <p14:creationId xmlns:p14="http://schemas.microsoft.com/office/powerpoint/2010/main" val="2969303105"/>
+        <p14:creationId xmlns:p14="http://schemas.microsoft.com/office/powerpoint/2010/main" xmlns="" val="2969303105"/>
       </p:ext>
     </p:extLst>
   </p:cSld>
@@ -3721,7 +3721,7 @@
     </p:spTree>
     <p:extLst>
       <p:ext uri="{BB962C8B-B14F-4D97-AF65-F5344CB8AC3E}">
-        <p14:creationId xmlns:p14="http://schemas.microsoft.com/office/powerpoint/2010/main" val="1853556805"/>
+        <p14:creationId xmlns:p14="http://schemas.microsoft.com/office/powerpoint/2010/main" xmlns="" val="1853556805"/>
       </p:ext>
     </p:extLst>
   </p:cSld>
@@ -3957,7 +3957,7 @@
     </p:spTree>
     <p:extLst>
       <p:ext uri="{BB962C8B-B14F-4D97-AF65-F5344CB8AC3E}">
-        <p14:creationId xmlns:p14="http://schemas.microsoft.com/office/powerpoint/2010/main" val="124825658"/>
+        <p14:creationId xmlns:p14="http://schemas.microsoft.com/office/powerpoint/2010/main" xmlns="" val="124825658"/>
       </p:ext>
     </p:extLst>
   </p:cSld>
@@ -4109,7 +4109,7 @@
     </p:spTree>
     <p:extLst>
       <p:ext uri="{BB962C8B-B14F-4D97-AF65-F5344CB8AC3E}">
-        <p14:creationId xmlns:p14="http://schemas.microsoft.com/office/powerpoint/2010/main" val="1045439904"/>
+        <p14:creationId xmlns:p14="http://schemas.microsoft.com/office/powerpoint/2010/main" xmlns="" val="1045439904"/>
       </p:ext>
     </p:extLst>
   </p:cSld>
@@ -4271,7 +4271,7 @@
     </p:spTree>
     <p:extLst>
       <p:ext uri="{BB962C8B-B14F-4D97-AF65-F5344CB8AC3E}">
-        <p14:creationId xmlns:p14="http://schemas.microsoft.com/office/powerpoint/2010/main" val="2307011855"/>
+        <p14:creationId xmlns:p14="http://schemas.microsoft.com/office/powerpoint/2010/main" xmlns="" val="2307011855"/>
       </p:ext>
     </p:extLst>
   </p:cSld>
@@ -4490,7 +4490,7 @@
     </p:spTree>
     <p:extLst>
       <p:ext uri="{BB962C8B-B14F-4D97-AF65-F5344CB8AC3E}">
-        <p14:creationId xmlns:p14="http://schemas.microsoft.com/office/powerpoint/2010/main" val="4144090805"/>
+        <p14:creationId xmlns:p14="http://schemas.microsoft.com/office/powerpoint/2010/main" xmlns="" val="4144090805"/>
       </p:ext>
     </p:extLst>
   </p:cSld>
@@ -7315,7 +7315,7 @@
     </p:spTree>
     <p:extLst>
       <p:ext uri="{BB962C8B-B14F-4D97-AF65-F5344CB8AC3E}">
-        <p14:creationId xmlns:p14="http://schemas.microsoft.com/office/powerpoint/2010/main" val="22551502"/>
+        <p14:creationId xmlns:p14="http://schemas.microsoft.com/office/powerpoint/2010/main" xmlns="" val="22551502"/>
       </p:ext>
     </p:extLst>
   </p:cSld>
@@ -7753,24 +7753,16 @@
           <a:lstStyle/>
           <a:p>
             <a:r>
-              <a:rPr lang="de-DE" dirty="0" err="1" smtClean="0"/>
-              <a:t>Deep</a:t>
-            </a:r>
-            <a:r>
-              <a:rPr lang="de-DE" dirty="0" smtClean="0"/>
-              <a:t> Learning </a:t>
-            </a:r>
-            <a:r>
-              <a:rPr lang="de-DE" dirty="0" err="1" smtClean="0"/>
-              <a:t>for</a:t>
-            </a:r>
-            <a:r>
-              <a:rPr lang="de-DE" dirty="0" smtClean="0"/>
-              <a:t> NLP</a:t>
+              <a:rPr lang="de-DE" dirty="0" smtClean="0"/>
+              <a:t>Deep Learning for NLP</a:t>
             </a:r>
             <a:br>
               <a:rPr lang="de-DE" dirty="0" smtClean="0"/>
             </a:br>
+            <a:r>
+              <a:rPr lang="de-DE" dirty="0" smtClean="0"/>
+              <a:t>Autoencoders &amp; Dropout</a:t>
+            </a:r>
             <a:endParaRPr lang="de-DE" sz="2400" dirty="0"/>
           </a:p>
         </p:txBody>
@@ -7869,7 +7861,7 @@
     </p:spTree>
     <p:extLst>
       <p:ext uri="{BB962C8B-B14F-4D97-AF65-F5344CB8AC3E}">
-        <p14:creationId xmlns:p14="http://schemas.microsoft.com/office/powerpoint/2010/main" val="1558988829"/>
+        <p14:creationId xmlns:p14="http://schemas.microsoft.com/office/powerpoint/2010/main" xmlns="" val="1558988829"/>
       </p:ext>
     </p:extLst>
   </p:cSld>
@@ -7985,7 +7977,7 @@
           <a:blip r:embed="rId2">
             <a:extLst>
               <a:ext uri="{28A0092B-C50C-407E-A947-70E740481C1C}">
-                <a14:useLocalDpi xmlns:a14="http://schemas.microsoft.com/office/drawing/2010/main" val="0"/>
+                <a14:useLocalDpi xmlns:a14="http://schemas.microsoft.com/office/drawing/2010/main" xmlns="" val="0"/>
               </a:ext>
             </a:extLst>
           </a:blip>
@@ -8009,14 +8001,14 @@
           <a:effectLst/>
           <a:extLst>
             <a:ext uri="{909E8E84-426E-40DD-AFC4-6F175D3DCCD1}">
-              <a14:hiddenFill xmlns:a14="http://schemas.microsoft.com/office/drawing/2010/main">
+              <a14:hiddenFill xmlns:a14="http://schemas.microsoft.com/office/drawing/2010/main" xmlns="">
                 <a:solidFill>
                   <a:schemeClr val="accent1"/>
                 </a:solidFill>
               </a14:hiddenFill>
             </a:ext>
             <a:ext uri="{91240B29-F687-4F45-9708-019B960494DF}">
-              <a14:hiddenLine xmlns:a14="http://schemas.microsoft.com/office/drawing/2010/main" w="9525">
+              <a14:hiddenLine xmlns:a14="http://schemas.microsoft.com/office/drawing/2010/main" xmlns="" w="9525">
                 <a:solidFill>
                   <a:schemeClr val="tx1"/>
                 </a:solidFill>
@@ -8026,7 +8018,7 @@
               </a14:hiddenLine>
             </a:ext>
             <a:ext uri="{AF507438-7753-43E0-B8FC-AC1667EBCBE1}">
-              <a14:hiddenEffects xmlns:a14="http://schemas.microsoft.com/office/drawing/2010/main">
+              <a14:hiddenEffects xmlns:a14="http://schemas.microsoft.com/office/drawing/2010/main" xmlns="">
                 <a:effectLst>
                   <a:outerShdw dist="35921" dir="2700000" algn="ctr" rotWithShape="0">
                     <a:schemeClr val="bg2"/>
@@ -8040,7 +8032,7 @@
     </p:spTree>
     <p:extLst>
       <p:ext uri="{BB962C8B-B14F-4D97-AF65-F5344CB8AC3E}">
-        <p14:creationId xmlns:p14="http://schemas.microsoft.com/office/powerpoint/2010/main" val="1187034245"/>
+        <p14:creationId xmlns:p14="http://schemas.microsoft.com/office/powerpoint/2010/main" xmlns="" val="1187034245"/>
       </p:ext>
     </p:extLst>
   </p:cSld>
@@ -8143,8 +8135,68 @@
               </a:spcBef>
             </a:pPr>
             <a:r>
-              <a:rPr lang="de-DE" smtClean="0"/>
-              <a:t>Produce a compressed representation of a high-dimensional input (for example images)</a:t>
+              <a:rPr lang="de-DE" dirty="0" err="1" smtClean="0"/>
+              <a:t>Produce</a:t>
+            </a:r>
+            <a:r>
+              <a:rPr lang="de-DE" dirty="0" smtClean="0"/>
+              <a:t> a </a:t>
+            </a:r>
+            <a:r>
+              <a:rPr lang="de-DE" dirty="0" err="1" smtClean="0"/>
+              <a:t>compressed</a:t>
+            </a:r>
+            <a:r>
+              <a:rPr lang="de-DE" dirty="0" smtClean="0"/>
+              <a:t> </a:t>
+            </a:r>
+            <a:r>
+              <a:rPr lang="de-DE" dirty="0" err="1" smtClean="0"/>
+              <a:t>representation</a:t>
+            </a:r>
+            <a:r>
+              <a:rPr lang="de-DE" dirty="0" smtClean="0"/>
+              <a:t> </a:t>
+            </a:r>
+            <a:r>
+              <a:rPr lang="de-DE" dirty="0" err="1" smtClean="0"/>
+              <a:t>of</a:t>
+            </a:r>
+            <a:r>
+              <a:rPr lang="de-DE" dirty="0" smtClean="0"/>
+              <a:t> a </a:t>
+            </a:r>
+            <a:r>
+              <a:rPr lang="de-DE" dirty="0" err="1" smtClean="0"/>
+              <a:t>high</a:t>
+            </a:r>
+            <a:r>
+              <a:rPr lang="de-DE" dirty="0" smtClean="0"/>
+              <a:t>-dimensional </a:t>
+            </a:r>
+            <a:r>
+              <a:rPr lang="de-DE" dirty="0" err="1" smtClean="0"/>
+              <a:t>input</a:t>
+            </a:r>
+            <a:r>
+              <a:rPr lang="de-DE" dirty="0" smtClean="0"/>
+              <a:t> (for </a:t>
+            </a:r>
+            <a:r>
+              <a:rPr lang="de-DE" dirty="0" err="1" smtClean="0"/>
+              <a:t>example</a:t>
+            </a:r>
+            <a:r>
+              <a:rPr lang="de-DE" dirty="0" smtClean="0"/>
+              <a:t> </a:t>
+            </a:r>
+            <a:r>
+              <a:rPr lang="de-DE" dirty="0" err="1" smtClean="0"/>
+              <a:t>images</a:t>
+            </a:r>
+            <a:r>
+              <a:rPr lang="de-DE" dirty="0" smtClean="0"/>
+              <a:t>)</a:t>
             </a:r>
           </a:p>
           <a:p>
@@ -8154,9 +8206,110 @@
               </a:spcBef>
             </a:pPr>
             <a:r>
-              <a:rPr lang="de-DE" smtClean="0"/>
-              <a:t>The compression is lossy. Learning drives the encoder to be a good compression in particular for training examples</a:t>
-            </a:r>
+              <a:rPr lang="de-DE" dirty="0" smtClean="0"/>
+              <a:t>The </a:t>
+            </a:r>
+            <a:r>
+              <a:rPr lang="de-DE" dirty="0" err="1" smtClean="0"/>
+              <a:t>compression</a:t>
+            </a:r>
+            <a:r>
+              <a:rPr lang="de-DE" dirty="0" smtClean="0"/>
+              <a:t> </a:t>
+            </a:r>
+            <a:r>
+              <a:rPr lang="de-DE" dirty="0" err="1" smtClean="0"/>
+              <a:t>is</a:t>
+            </a:r>
+            <a:r>
+              <a:rPr lang="de-DE" dirty="0" smtClean="0"/>
+              <a:t> </a:t>
+            </a:r>
+            <a:r>
+              <a:rPr lang="de-DE" dirty="0" err="1" smtClean="0"/>
+              <a:t>lossy</a:t>
+            </a:r>
+            <a:r>
+              <a:rPr lang="de-DE" dirty="0" smtClean="0"/>
+              <a:t>. Learning </a:t>
+            </a:r>
+            <a:r>
+              <a:rPr lang="de-DE" dirty="0" err="1" smtClean="0"/>
+              <a:t>drives</a:t>
+            </a:r>
+            <a:r>
+              <a:rPr lang="de-DE" dirty="0" smtClean="0"/>
+              <a:t> </a:t>
+            </a:r>
+            <a:r>
+              <a:rPr lang="de-DE" dirty="0" err="1" smtClean="0"/>
+              <a:t>the</a:t>
+            </a:r>
+            <a:r>
+              <a:rPr lang="de-DE" dirty="0" smtClean="0"/>
+              <a:t> </a:t>
+            </a:r>
+            <a:r>
+              <a:rPr lang="de-DE" dirty="0" err="1" smtClean="0"/>
+              <a:t>encoder</a:t>
+            </a:r>
+            <a:r>
+              <a:rPr lang="de-DE" dirty="0" smtClean="0"/>
+              <a:t> </a:t>
+            </a:r>
+            <a:r>
+              <a:rPr lang="de-DE" dirty="0" err="1" smtClean="0"/>
+              <a:t>to</a:t>
+            </a:r>
+            <a:r>
+              <a:rPr lang="de-DE" dirty="0" smtClean="0"/>
+              <a:t> </a:t>
+            </a:r>
+            <a:r>
+              <a:rPr lang="de-DE" dirty="0" err="1" smtClean="0"/>
+              <a:t>be</a:t>
+            </a:r>
+            <a:r>
+              <a:rPr lang="de-DE" dirty="0" smtClean="0"/>
+              <a:t> a </a:t>
+            </a:r>
+            <a:r>
+              <a:rPr lang="de-DE" dirty="0" err="1" smtClean="0"/>
+              <a:t>good</a:t>
+            </a:r>
+            <a:r>
+              <a:rPr lang="de-DE" dirty="0" smtClean="0"/>
+              <a:t> </a:t>
+            </a:r>
+            <a:r>
+              <a:rPr lang="de-DE" dirty="0" err="1" smtClean="0"/>
+              <a:t>compression</a:t>
+            </a:r>
+            <a:r>
+              <a:rPr lang="de-DE" dirty="0" smtClean="0"/>
+              <a:t> in </a:t>
+            </a:r>
+            <a:r>
+              <a:rPr lang="de-DE" dirty="0" err="1" smtClean="0"/>
+              <a:t>particular</a:t>
+            </a:r>
+            <a:r>
+              <a:rPr lang="de-DE" dirty="0" smtClean="0"/>
+              <a:t> for </a:t>
+            </a:r>
+            <a:r>
+              <a:rPr lang="de-DE" dirty="0" err="1" smtClean="0"/>
+              <a:t>training</a:t>
+            </a:r>
+            <a:r>
+              <a:rPr lang="de-DE" dirty="0" smtClean="0"/>
+              <a:t> </a:t>
+            </a:r>
+            <a:r>
+              <a:rPr lang="de-DE" dirty="0" err="1" smtClean="0"/>
+              <a:t>examples</a:t>
+            </a:r>
+            <a:endParaRPr lang="de-DE" dirty="0" smtClean="0"/>
           </a:p>
           <a:p>
             <a:pPr>
@@ -8165,9 +8318,62 @@
               </a:spcBef>
             </a:pPr>
             <a:r>
-              <a:rPr lang="de-DE" smtClean="0"/>
-              <a:t>For random input, the reconstruction error will be high</a:t>
-            </a:r>
+              <a:rPr lang="de-DE" dirty="0" smtClean="0"/>
+              <a:t>For </a:t>
+            </a:r>
+            <a:r>
+              <a:rPr lang="de-DE" dirty="0" err="1" smtClean="0"/>
+              <a:t>random</a:t>
+            </a:r>
+            <a:r>
+              <a:rPr lang="de-DE" dirty="0" smtClean="0"/>
+              <a:t> </a:t>
+            </a:r>
+            <a:r>
+              <a:rPr lang="de-DE" dirty="0" err="1" smtClean="0"/>
+              <a:t>input</a:t>
+            </a:r>
+            <a:r>
+              <a:rPr lang="de-DE" dirty="0" smtClean="0"/>
+              <a:t>, </a:t>
+            </a:r>
+            <a:r>
+              <a:rPr lang="de-DE" dirty="0" err="1" smtClean="0"/>
+              <a:t>the</a:t>
+            </a:r>
+            <a:r>
+              <a:rPr lang="de-DE" dirty="0" smtClean="0"/>
+              <a:t> </a:t>
+            </a:r>
+            <a:r>
+              <a:rPr lang="de-DE" dirty="0" err="1" smtClean="0"/>
+              <a:t>reconstruction</a:t>
+            </a:r>
+            <a:r>
+              <a:rPr lang="de-DE" dirty="0" smtClean="0"/>
+              <a:t> </a:t>
+            </a:r>
+            <a:r>
+              <a:rPr lang="de-DE" dirty="0" err="1" smtClean="0"/>
+              <a:t>error</a:t>
+            </a:r>
+            <a:r>
+              <a:rPr lang="de-DE" dirty="0" smtClean="0"/>
+              <a:t> will </a:t>
+            </a:r>
+            <a:r>
+              <a:rPr lang="de-DE" dirty="0" err="1" smtClean="0"/>
+              <a:t>be</a:t>
+            </a:r>
+            <a:r>
+              <a:rPr lang="de-DE" dirty="0" smtClean="0"/>
+              <a:t> </a:t>
+            </a:r>
+            <a:r>
+              <a:rPr lang="de-DE" dirty="0" err="1" smtClean="0"/>
+              <a:t>high</a:t>
+            </a:r>
+            <a:endParaRPr lang="de-DE" dirty="0" smtClean="0"/>
           </a:p>
           <a:p>
             <a:pPr>
@@ -8176,36 +8382,140 @@
               </a:spcBef>
             </a:pPr>
             <a:r>
-              <a:rPr lang="de-DE"/>
-              <a:t>The autoencoder learns </a:t>
-            </a:r>
-            <a:r>
-              <a:rPr lang="de-DE" smtClean="0"/>
-              <a:t>to abstract </a:t>
-            </a:r>
-            <a:r>
-              <a:rPr lang="de-DE"/>
-              <a:t>properties </a:t>
-            </a:r>
-            <a:r>
-              <a:rPr lang="de-DE" smtClean="0"/>
-              <a:t>from </a:t>
-            </a:r>
-            <a:r>
-              <a:rPr lang="de-DE"/>
-              <a:t>the input. </a:t>
-            </a:r>
-            <a:r>
-              <a:rPr lang="de-DE" smtClean="0"/>
-              <a:t>What </a:t>
-            </a:r>
-            <a:r>
-              <a:rPr lang="de-DE"/>
-              <a:t>defines a natural image? </a:t>
-            </a:r>
-            <a:r>
-              <a:rPr lang="de-DE" smtClean="0"/>
-              <a:t>Color gradients, straight lines, edges etc.</a:t>
+              <a:rPr lang="de-DE" dirty="0"/>
+              <a:t>The </a:t>
+            </a:r>
+            <a:r>
+              <a:rPr lang="de-DE" dirty="0" err="1"/>
+              <a:t>autoencoder</a:t>
+            </a:r>
+            <a:r>
+              <a:rPr lang="de-DE" dirty="0"/>
+              <a:t> </a:t>
+            </a:r>
+            <a:r>
+              <a:rPr lang="de-DE" dirty="0" err="1"/>
+              <a:t>learns</a:t>
+            </a:r>
+            <a:r>
+              <a:rPr lang="de-DE" dirty="0"/>
+              <a:t> </a:t>
+            </a:r>
+            <a:r>
+              <a:rPr lang="de-DE" dirty="0" err="1" smtClean="0"/>
+              <a:t>to</a:t>
+            </a:r>
+            <a:r>
+              <a:rPr lang="de-DE" dirty="0" smtClean="0"/>
+              <a:t> </a:t>
+            </a:r>
+            <a:r>
+              <a:rPr lang="de-DE" dirty="0" err="1" smtClean="0"/>
+              <a:t>abstract</a:t>
+            </a:r>
+            <a:r>
+              <a:rPr lang="de-DE" dirty="0" smtClean="0"/>
+              <a:t> </a:t>
+            </a:r>
+            <a:r>
+              <a:rPr lang="de-DE" dirty="0" err="1"/>
+              <a:t>properties</a:t>
+            </a:r>
+            <a:r>
+              <a:rPr lang="de-DE" dirty="0"/>
+              <a:t> </a:t>
+            </a:r>
+            <a:r>
+              <a:rPr lang="de-DE" dirty="0" err="1" smtClean="0"/>
+              <a:t>from</a:t>
+            </a:r>
+            <a:r>
+              <a:rPr lang="de-DE" dirty="0" smtClean="0"/>
+              <a:t> </a:t>
+            </a:r>
+            <a:r>
+              <a:rPr lang="de-DE" dirty="0" err="1"/>
+              <a:t>the</a:t>
+            </a:r>
+            <a:r>
+              <a:rPr lang="de-DE" dirty="0"/>
+              <a:t> </a:t>
+            </a:r>
+            <a:r>
+              <a:rPr lang="de-DE" dirty="0" err="1"/>
+              <a:t>input</a:t>
+            </a:r>
+            <a:r>
+              <a:rPr lang="de-DE" dirty="0"/>
+              <a:t>. </a:t>
+            </a:r>
+            <a:r>
+              <a:rPr lang="de-DE" dirty="0" err="1" smtClean="0"/>
+              <a:t>What</a:t>
+            </a:r>
+            <a:r>
+              <a:rPr lang="de-DE" dirty="0" smtClean="0"/>
+              <a:t> </a:t>
+            </a:r>
+            <a:r>
+              <a:rPr lang="de-DE" dirty="0" err="1"/>
+              <a:t>defines</a:t>
+            </a:r>
+            <a:r>
+              <a:rPr lang="de-DE" dirty="0"/>
+              <a:t> a </a:t>
+            </a:r>
+            <a:r>
+              <a:rPr lang="de-DE" dirty="0" err="1"/>
+              <a:t>natural</a:t>
+            </a:r>
+            <a:r>
+              <a:rPr lang="de-DE" dirty="0"/>
+              <a:t> </a:t>
+            </a:r>
+            <a:r>
+              <a:rPr lang="de-DE" dirty="0" err="1"/>
+              <a:t>image</a:t>
+            </a:r>
+            <a:r>
+              <a:rPr lang="de-DE" dirty="0"/>
+              <a:t>? </a:t>
+            </a:r>
+            <a:r>
+              <a:rPr lang="de-DE" dirty="0" smtClean="0"/>
+              <a:t>Color </a:t>
+            </a:r>
+            <a:r>
+              <a:rPr lang="de-DE" dirty="0" err="1" smtClean="0"/>
+              <a:t>gradients</a:t>
+            </a:r>
+            <a:r>
+              <a:rPr lang="de-DE" dirty="0" smtClean="0"/>
+              <a:t>, </a:t>
+            </a:r>
+            <a:r>
+              <a:rPr lang="de-DE" dirty="0" err="1" smtClean="0"/>
+              <a:t>straight</a:t>
+            </a:r>
+            <a:r>
+              <a:rPr lang="de-DE" dirty="0" smtClean="0"/>
+              <a:t> </a:t>
+            </a:r>
+            <a:r>
+              <a:rPr lang="de-DE" dirty="0" err="1" smtClean="0"/>
+              <a:t>lines</a:t>
+            </a:r>
+            <a:r>
+              <a:rPr lang="de-DE" dirty="0" smtClean="0"/>
+              <a:t>, </a:t>
+            </a:r>
+            <a:r>
+              <a:rPr lang="de-DE" dirty="0" err="1" smtClean="0"/>
+              <a:t>edges</a:t>
+            </a:r>
+            <a:r>
+              <a:rPr lang="de-DE" dirty="0" smtClean="0"/>
+              <a:t> etc.</a:t>
             </a:r>
           </a:p>
           <a:p>
@@ -8215,10 +8525,102 @@
               </a:spcBef>
             </a:pPr>
             <a:r>
-              <a:rPr lang="de-DE" smtClean="0"/>
-              <a:t>The abstract representation of the input can make a further classification task much easier</a:t>
-            </a:r>
-            <a:endParaRPr lang="de-DE"/>
+              <a:rPr lang="de-DE" dirty="0" smtClean="0"/>
+              <a:t>The </a:t>
+            </a:r>
+            <a:r>
+              <a:rPr lang="de-DE" dirty="0" err="1" smtClean="0"/>
+              <a:t>abstract</a:t>
+            </a:r>
+            <a:r>
+              <a:rPr lang="de-DE" dirty="0" smtClean="0"/>
+              <a:t> </a:t>
+            </a:r>
+            <a:r>
+              <a:rPr lang="de-DE" dirty="0" err="1" smtClean="0"/>
+              <a:t>representation</a:t>
+            </a:r>
+            <a:r>
+              <a:rPr lang="de-DE" dirty="0" smtClean="0"/>
+              <a:t> </a:t>
+            </a:r>
+            <a:r>
+              <a:rPr lang="de-DE" dirty="0" err="1" smtClean="0"/>
+              <a:t>of</a:t>
+            </a:r>
+            <a:r>
+              <a:rPr lang="de-DE" dirty="0" smtClean="0"/>
+              <a:t> </a:t>
+            </a:r>
+            <a:r>
+              <a:rPr lang="de-DE" dirty="0" err="1" smtClean="0"/>
+              <a:t>the</a:t>
+            </a:r>
+            <a:r>
+              <a:rPr lang="de-DE" dirty="0" smtClean="0"/>
+              <a:t> </a:t>
+            </a:r>
+            <a:r>
+              <a:rPr lang="de-DE" dirty="0" err="1" smtClean="0"/>
+              <a:t>input</a:t>
+            </a:r>
+            <a:r>
+              <a:rPr lang="de-DE" dirty="0" smtClean="0"/>
+              <a:t> </a:t>
+            </a:r>
+            <a:r>
+              <a:rPr lang="de-DE" dirty="0" err="1" smtClean="0"/>
+              <a:t>can</a:t>
+            </a:r>
+            <a:r>
+              <a:rPr lang="de-DE" dirty="0" smtClean="0"/>
+              <a:t> </a:t>
+            </a:r>
+            <a:r>
+              <a:rPr lang="de-DE" dirty="0" err="1" smtClean="0"/>
+              <a:t>make</a:t>
+            </a:r>
+            <a:r>
+              <a:rPr lang="de-DE" dirty="0" smtClean="0"/>
+              <a:t> a </a:t>
+            </a:r>
+            <a:r>
+              <a:rPr lang="de-DE" dirty="0" err="1" smtClean="0"/>
+              <a:t>further</a:t>
+            </a:r>
+            <a:r>
+              <a:rPr lang="de-DE" dirty="0" smtClean="0"/>
+              <a:t> </a:t>
+            </a:r>
+            <a:r>
+              <a:rPr lang="de-DE" dirty="0" err="1" smtClean="0"/>
+              <a:t>classification</a:t>
+            </a:r>
+            <a:r>
+              <a:rPr lang="de-DE" dirty="0" smtClean="0"/>
+              <a:t> </a:t>
+            </a:r>
+            <a:r>
+              <a:rPr lang="de-DE" dirty="0" err="1" smtClean="0"/>
+              <a:t>task</a:t>
+            </a:r>
+            <a:r>
+              <a:rPr lang="de-DE" dirty="0" smtClean="0"/>
+              <a:t> </a:t>
+            </a:r>
+            <a:r>
+              <a:rPr lang="de-DE" dirty="0" err="1" smtClean="0"/>
+              <a:t>much</a:t>
+            </a:r>
+            <a:r>
+              <a:rPr lang="de-DE" dirty="0" smtClean="0"/>
+              <a:t> </a:t>
+            </a:r>
+            <a:r>
+              <a:rPr lang="de-DE" dirty="0" err="1" smtClean="0"/>
+              <a:t>easier</a:t>
+            </a:r>
+            <a:endParaRPr lang="de-DE" dirty="0"/>
           </a:p>
           <a:p>
             <a:pPr marL="0" indent="0">
@@ -8227,23 +8629,23 @@
               </a:spcBef>
               <a:buNone/>
             </a:pPr>
-            <a:endParaRPr lang="de-DE"/>
-          </a:p>
-          <a:p>
-            <a:endParaRPr lang="de-DE" smtClean="0"/>
-          </a:p>
-          <a:p>
-            <a:endParaRPr lang="de-DE" smtClean="0"/>
-          </a:p>
-          <a:p>
-            <a:endParaRPr lang="de-DE"/>
+            <a:endParaRPr lang="de-DE" dirty="0"/>
+          </a:p>
+          <a:p>
+            <a:endParaRPr lang="de-DE" dirty="0" smtClean="0"/>
+          </a:p>
+          <a:p>
+            <a:endParaRPr lang="de-DE" dirty="0" smtClean="0"/>
+          </a:p>
+          <a:p>
+            <a:endParaRPr lang="de-DE" dirty="0"/>
           </a:p>
         </p:txBody>
       </p:sp>
     </p:spTree>
     <p:extLst>
       <p:ext uri="{BB962C8B-B14F-4D97-AF65-F5344CB8AC3E}">
-        <p14:creationId xmlns:p14="http://schemas.microsoft.com/office/powerpoint/2010/main" val="3673652584"/>
+        <p14:creationId xmlns:p14="http://schemas.microsoft.com/office/powerpoint/2010/main" xmlns="" val="3673652584"/>
       </p:ext>
     </p:extLst>
   </p:cSld>
@@ -8338,7 +8740,7 @@
           <a:blip r:embed="rId2">
             <a:extLst>
               <a:ext uri="{28A0092B-C50C-407E-A947-70E740481C1C}">
-                <a14:useLocalDpi xmlns:a14="http://schemas.microsoft.com/office/drawing/2010/main" val="0"/>
+                <a14:useLocalDpi xmlns:a14="http://schemas.microsoft.com/office/drawing/2010/main" xmlns="" val="0"/>
               </a:ext>
             </a:extLst>
           </a:blip>
@@ -8360,14 +8762,14 @@
           <a:effectLst/>
           <a:extLst>
             <a:ext uri="{909E8E84-426E-40DD-AFC4-6F175D3DCCD1}">
-              <a14:hiddenFill xmlns:a14="http://schemas.microsoft.com/office/drawing/2010/main">
+              <a14:hiddenFill xmlns:a14="http://schemas.microsoft.com/office/drawing/2010/main" xmlns="">
                 <a:solidFill>
                   <a:schemeClr val="accent1"/>
                 </a:solidFill>
               </a14:hiddenFill>
             </a:ext>
             <a:ext uri="{91240B29-F687-4F45-9708-019B960494DF}">
-              <a14:hiddenLine xmlns:a14="http://schemas.microsoft.com/office/drawing/2010/main" w="9525">
+              <a14:hiddenLine xmlns:a14="http://schemas.microsoft.com/office/drawing/2010/main" xmlns="" w="9525">
                 <a:solidFill>
                   <a:schemeClr val="tx1"/>
                 </a:solidFill>
@@ -8377,7 +8779,7 @@
               </a14:hiddenLine>
             </a:ext>
             <a:ext uri="{AF507438-7753-43E0-B8FC-AC1667EBCBE1}">
-              <a14:hiddenEffects xmlns:a14="http://schemas.microsoft.com/office/drawing/2010/main">
+              <a14:hiddenEffects xmlns:a14="http://schemas.microsoft.com/office/drawing/2010/main" xmlns="">
                 <a:effectLst>
                   <a:outerShdw dist="35921" dir="2700000" algn="ctr" rotWithShape="0">
                     <a:schemeClr val="bg2"/>
@@ -8391,7 +8793,7 @@
     </p:spTree>
     <p:extLst>
       <p:ext uri="{BB962C8B-B14F-4D97-AF65-F5344CB8AC3E}">
-        <p14:creationId xmlns:p14="http://schemas.microsoft.com/office/powerpoint/2010/main" val="960726371"/>
+        <p14:creationId xmlns:p14="http://schemas.microsoft.com/office/powerpoint/2010/main" xmlns="" val="960726371"/>
       </p:ext>
     </p:extLst>
   </p:cSld>
@@ -8486,7 +8888,7 @@
           <a:blip r:embed="rId2">
             <a:extLst>
               <a:ext uri="{28A0092B-C50C-407E-A947-70E740481C1C}">
-                <a14:useLocalDpi xmlns:a14="http://schemas.microsoft.com/office/drawing/2010/main" val="0"/>
+                <a14:useLocalDpi xmlns:a14="http://schemas.microsoft.com/office/drawing/2010/main" xmlns="" val="0"/>
               </a:ext>
             </a:extLst>
           </a:blip>
@@ -8510,14 +8912,14 @@
           <a:effectLst/>
           <a:extLst>
             <a:ext uri="{909E8E84-426E-40DD-AFC4-6F175D3DCCD1}">
-              <a14:hiddenFill xmlns:a14="http://schemas.microsoft.com/office/drawing/2010/main">
+              <a14:hiddenFill xmlns:a14="http://schemas.microsoft.com/office/drawing/2010/main" xmlns="">
                 <a:solidFill>
                   <a:schemeClr val="accent1"/>
                 </a:solidFill>
               </a14:hiddenFill>
             </a:ext>
             <a:ext uri="{91240B29-F687-4F45-9708-019B960494DF}">
-              <a14:hiddenLine xmlns:a14="http://schemas.microsoft.com/office/drawing/2010/main" w="9525">
+              <a14:hiddenLine xmlns:a14="http://schemas.microsoft.com/office/drawing/2010/main" xmlns="" w="9525">
                 <a:solidFill>
                   <a:schemeClr val="tx1"/>
                 </a:solidFill>
@@ -8527,7 +8929,7 @@
               </a14:hiddenLine>
             </a:ext>
             <a:ext uri="{AF507438-7753-43E0-B8FC-AC1667EBCBE1}">
-              <a14:hiddenEffects xmlns:a14="http://schemas.microsoft.com/office/drawing/2010/main">
+              <a14:hiddenEffects xmlns:a14="http://schemas.microsoft.com/office/drawing/2010/main" xmlns="">
                 <a:effectLst>
                   <a:outerShdw dist="35921" dir="2700000" algn="ctr" rotWithShape="0">
                     <a:schemeClr val="bg2"/>
@@ -8719,7 +9121,7 @@
     </p:spTree>
     <p:extLst>
       <p:ext uri="{BB962C8B-B14F-4D97-AF65-F5344CB8AC3E}">
-        <p14:creationId xmlns:p14="http://schemas.microsoft.com/office/powerpoint/2010/main" val="1261619503"/>
+        <p14:creationId xmlns:p14="http://schemas.microsoft.com/office/powerpoint/2010/main" xmlns="" val="1261619503"/>
       </p:ext>
     </p:extLst>
   </p:cSld>
@@ -8818,33 +9220,259 @@
           <a:lstStyle/>
           <a:p>
             <a:r>
-              <a:rPr lang="de-DE" smtClean="0"/>
-              <a:t>Principle component analysis (PCA) converts a set of correlated variables to a set of linearly uncorrelated variables called </a:t>
-            </a:r>
-            <a:r>
-              <a:rPr lang="de-DE" i="1" smtClean="0"/>
-              <a:t>principle components</a:t>
-            </a:r>
-          </a:p>
-          <a:p>
-            <a:r>
-              <a:rPr lang="de-DE" smtClean="0"/>
-              <a:t>PCA is a standard method to break down high-dimensional vector spaces, e.g. for information extraction or visualization</a:t>
-            </a:r>
-          </a:p>
-          <a:p>
-            <a:r>
-              <a:rPr lang="de-DE" smtClean="0"/>
-              <a:t>However, PCA can only capture linear correlations</a:t>
-            </a:r>
-            <a:endParaRPr lang="de-DE"/>
+              <a:rPr lang="de-DE" dirty="0" err="1" smtClean="0"/>
+              <a:t>Principle</a:t>
+            </a:r>
+            <a:r>
+              <a:rPr lang="de-DE" dirty="0" smtClean="0"/>
+              <a:t> </a:t>
+            </a:r>
+            <a:r>
+              <a:rPr lang="de-DE" dirty="0" err="1" smtClean="0"/>
+              <a:t>component</a:t>
+            </a:r>
+            <a:r>
+              <a:rPr lang="de-DE" dirty="0" smtClean="0"/>
+              <a:t> </a:t>
+            </a:r>
+            <a:r>
+              <a:rPr lang="de-DE" dirty="0" err="1" smtClean="0"/>
+              <a:t>analysis</a:t>
+            </a:r>
+            <a:r>
+              <a:rPr lang="de-DE" dirty="0" smtClean="0"/>
+              <a:t> (PCA) </a:t>
+            </a:r>
+            <a:r>
+              <a:rPr lang="de-DE" dirty="0" err="1" smtClean="0"/>
+              <a:t>converts</a:t>
+            </a:r>
+            <a:r>
+              <a:rPr lang="de-DE" dirty="0" smtClean="0"/>
+              <a:t> a </a:t>
+            </a:r>
+            <a:r>
+              <a:rPr lang="de-DE" dirty="0" err="1" smtClean="0"/>
+              <a:t>set</a:t>
+            </a:r>
+            <a:r>
+              <a:rPr lang="de-DE" dirty="0" smtClean="0"/>
+              <a:t> </a:t>
+            </a:r>
+            <a:r>
+              <a:rPr lang="de-DE" dirty="0" err="1" smtClean="0"/>
+              <a:t>of</a:t>
+            </a:r>
+            <a:r>
+              <a:rPr lang="de-DE" dirty="0" smtClean="0"/>
+              <a:t> </a:t>
+            </a:r>
+            <a:r>
+              <a:rPr lang="de-DE" dirty="0" err="1" smtClean="0"/>
+              <a:t>correlated</a:t>
+            </a:r>
+            <a:r>
+              <a:rPr lang="de-DE" dirty="0" smtClean="0"/>
+              <a:t> variables </a:t>
+            </a:r>
+            <a:r>
+              <a:rPr lang="de-DE" dirty="0" err="1" smtClean="0"/>
+              <a:t>to</a:t>
+            </a:r>
+            <a:r>
+              <a:rPr lang="de-DE" dirty="0" smtClean="0"/>
+              <a:t> a </a:t>
+            </a:r>
+            <a:r>
+              <a:rPr lang="de-DE" dirty="0" err="1" smtClean="0"/>
+              <a:t>set</a:t>
+            </a:r>
+            <a:r>
+              <a:rPr lang="de-DE" dirty="0" smtClean="0"/>
+              <a:t> </a:t>
+            </a:r>
+            <a:r>
+              <a:rPr lang="de-DE" dirty="0" err="1" smtClean="0"/>
+              <a:t>of</a:t>
+            </a:r>
+            <a:r>
+              <a:rPr lang="de-DE" dirty="0" smtClean="0"/>
+              <a:t> </a:t>
+            </a:r>
+            <a:r>
+              <a:rPr lang="de-DE" dirty="0" err="1" smtClean="0"/>
+              <a:t>linearly</a:t>
+            </a:r>
+            <a:r>
+              <a:rPr lang="de-DE" dirty="0" smtClean="0"/>
+              <a:t> </a:t>
+            </a:r>
+            <a:r>
+              <a:rPr lang="de-DE" dirty="0" err="1" smtClean="0"/>
+              <a:t>uncorrelated</a:t>
+            </a:r>
+            <a:r>
+              <a:rPr lang="de-DE" dirty="0" smtClean="0"/>
+              <a:t> variables </a:t>
+            </a:r>
+            <a:r>
+              <a:rPr lang="de-DE" dirty="0" err="1" smtClean="0"/>
+              <a:t>called</a:t>
+            </a:r>
+            <a:r>
+              <a:rPr lang="de-DE" dirty="0" smtClean="0"/>
+              <a:t> </a:t>
+            </a:r>
+            <a:r>
+              <a:rPr lang="de-DE" i="1" dirty="0" err="1" smtClean="0"/>
+              <a:t>principle</a:t>
+            </a:r>
+            <a:r>
+              <a:rPr lang="de-DE" i="1" dirty="0" smtClean="0"/>
+              <a:t> </a:t>
+            </a:r>
+            <a:r>
+              <a:rPr lang="de-DE" i="1" dirty="0" err="1" smtClean="0"/>
+              <a:t>components</a:t>
+            </a:r>
+            <a:endParaRPr lang="de-DE" i="1" dirty="0" smtClean="0"/>
+          </a:p>
+          <a:p>
+            <a:r>
+              <a:rPr lang="de-DE" dirty="0" smtClean="0"/>
+              <a:t>PCA </a:t>
+            </a:r>
+            <a:r>
+              <a:rPr lang="de-DE" dirty="0" err="1" smtClean="0"/>
+              <a:t>is</a:t>
+            </a:r>
+            <a:r>
+              <a:rPr lang="de-DE" dirty="0" smtClean="0"/>
+              <a:t> a </a:t>
+            </a:r>
+            <a:r>
+              <a:rPr lang="de-DE" dirty="0" err="1" smtClean="0"/>
+              <a:t>standard</a:t>
+            </a:r>
+            <a:r>
+              <a:rPr lang="de-DE" dirty="0" smtClean="0"/>
+              <a:t> </a:t>
+            </a:r>
+            <a:r>
+              <a:rPr lang="de-DE" dirty="0" err="1" smtClean="0"/>
+              <a:t>method</a:t>
+            </a:r>
+            <a:r>
+              <a:rPr lang="de-DE" dirty="0" smtClean="0"/>
+              <a:t> </a:t>
+            </a:r>
+            <a:r>
+              <a:rPr lang="de-DE" dirty="0" err="1" smtClean="0"/>
+              <a:t>to</a:t>
+            </a:r>
+            <a:r>
+              <a:rPr lang="de-DE" dirty="0" smtClean="0"/>
+              <a:t> break down </a:t>
+            </a:r>
+            <a:r>
+              <a:rPr lang="de-DE" dirty="0" err="1" smtClean="0"/>
+              <a:t>high</a:t>
+            </a:r>
+            <a:r>
+              <a:rPr lang="de-DE" dirty="0" smtClean="0"/>
+              <a:t>-dimensional </a:t>
+            </a:r>
+            <a:r>
+              <a:rPr lang="de-DE" dirty="0" err="1" smtClean="0"/>
+              <a:t>vector</a:t>
+            </a:r>
+            <a:r>
+              <a:rPr lang="de-DE" dirty="0" smtClean="0"/>
+              <a:t> </a:t>
+            </a:r>
+            <a:r>
+              <a:rPr lang="de-DE" dirty="0" err="1" smtClean="0"/>
+              <a:t>spaces</a:t>
+            </a:r>
+            <a:r>
+              <a:rPr lang="de-DE" dirty="0" smtClean="0"/>
+              <a:t>, e.g. for </a:t>
+            </a:r>
+            <a:r>
+              <a:rPr lang="de-DE" dirty="0" err="1" smtClean="0"/>
+              <a:t>information</a:t>
+            </a:r>
+            <a:r>
+              <a:rPr lang="de-DE" dirty="0" smtClean="0"/>
+              <a:t> </a:t>
+            </a:r>
+            <a:r>
+              <a:rPr lang="de-DE" dirty="0" err="1" smtClean="0"/>
+              <a:t>extraction</a:t>
+            </a:r>
+            <a:r>
+              <a:rPr lang="de-DE" dirty="0" smtClean="0"/>
+              <a:t> </a:t>
+            </a:r>
+            <a:r>
+              <a:rPr lang="de-DE" dirty="0" err="1" smtClean="0"/>
+              <a:t>or</a:t>
+            </a:r>
+            <a:r>
+              <a:rPr lang="de-DE" dirty="0" smtClean="0"/>
+              <a:t> </a:t>
+            </a:r>
+            <a:r>
+              <a:rPr lang="de-DE" dirty="0" err="1" smtClean="0"/>
+              <a:t>visualization</a:t>
+            </a:r>
+            <a:endParaRPr lang="de-DE" dirty="0" smtClean="0"/>
+          </a:p>
+          <a:p>
+            <a:r>
+              <a:rPr lang="de-DE" dirty="0" err="1" smtClean="0"/>
+              <a:t>However</a:t>
+            </a:r>
+            <a:r>
+              <a:rPr lang="de-DE" dirty="0" smtClean="0"/>
+              <a:t>, PCA </a:t>
+            </a:r>
+            <a:r>
+              <a:rPr lang="de-DE" dirty="0" err="1" smtClean="0"/>
+              <a:t>can</a:t>
+            </a:r>
+            <a:r>
+              <a:rPr lang="de-DE" dirty="0" smtClean="0"/>
+              <a:t> </a:t>
+            </a:r>
+            <a:r>
+              <a:rPr lang="de-DE" dirty="0" err="1" smtClean="0"/>
+              <a:t>only</a:t>
+            </a:r>
+            <a:r>
+              <a:rPr lang="de-DE" dirty="0" smtClean="0"/>
+              <a:t> </a:t>
+            </a:r>
+            <a:r>
+              <a:rPr lang="de-DE" dirty="0" err="1" smtClean="0"/>
+              <a:t>capture</a:t>
+            </a:r>
+            <a:r>
+              <a:rPr lang="de-DE" dirty="0" smtClean="0"/>
+              <a:t> linear </a:t>
+            </a:r>
+            <a:r>
+              <a:rPr lang="de-DE" dirty="0" err="1" smtClean="0"/>
+              <a:t>correlations</a:t>
+            </a:r>
+            <a:endParaRPr lang="de-DE" dirty="0"/>
           </a:p>
         </p:txBody>
       </p:sp>
     </p:spTree>
     <p:extLst>
       <p:ext uri="{BB962C8B-B14F-4D97-AF65-F5344CB8AC3E}">
-        <p14:creationId xmlns:p14="http://schemas.microsoft.com/office/powerpoint/2010/main" val="2651623570"/>
+        <p14:creationId xmlns:p14="http://schemas.microsoft.com/office/powerpoint/2010/main" xmlns="" val="2651623570"/>
       </p:ext>
     </p:extLst>
   </p:cSld>
@@ -8939,7 +9567,7 @@
           <a:blip r:embed="rId2">
             <a:extLst>
               <a:ext uri="{28A0092B-C50C-407E-A947-70E740481C1C}">
-                <a14:useLocalDpi xmlns:a14="http://schemas.microsoft.com/office/drawing/2010/main" val="0"/>
+                <a14:useLocalDpi xmlns:a14="http://schemas.microsoft.com/office/drawing/2010/main" xmlns="" val="0"/>
               </a:ext>
             </a:extLst>
           </a:blip>
@@ -8963,14 +9591,14 @@
           <a:effectLst/>
           <a:extLst>
             <a:ext uri="{909E8E84-426E-40DD-AFC4-6F175D3DCCD1}">
-              <a14:hiddenFill xmlns:a14="http://schemas.microsoft.com/office/drawing/2010/main">
+              <a14:hiddenFill xmlns:a14="http://schemas.microsoft.com/office/drawing/2010/main" xmlns="">
                 <a:solidFill>
                   <a:schemeClr val="accent1"/>
                 </a:solidFill>
               </a14:hiddenFill>
             </a:ext>
             <a:ext uri="{91240B29-F687-4F45-9708-019B960494DF}">
-              <a14:hiddenLine xmlns:a14="http://schemas.microsoft.com/office/drawing/2010/main" w="9525">
+              <a14:hiddenLine xmlns:a14="http://schemas.microsoft.com/office/drawing/2010/main" xmlns="" w="9525">
                 <a:solidFill>
                   <a:schemeClr val="tx1"/>
                 </a:solidFill>
@@ -8980,7 +9608,7 @@
               </a14:hiddenLine>
             </a:ext>
             <a:ext uri="{AF507438-7753-43E0-B8FC-AC1667EBCBE1}">
-              <a14:hiddenEffects xmlns:a14="http://schemas.microsoft.com/office/drawing/2010/main">
+              <a14:hiddenEffects xmlns:a14="http://schemas.microsoft.com/office/drawing/2010/main" xmlns="">
                 <a:effectLst>
                   <a:outerShdw dist="35921" dir="2700000" algn="ctr" rotWithShape="0">
                     <a:schemeClr val="bg2"/>
@@ -9003,7 +9631,7 @@
           <a:blip r:embed="rId3">
             <a:extLst>
               <a:ext uri="{28A0092B-C50C-407E-A947-70E740481C1C}">
-                <a14:useLocalDpi xmlns:a14="http://schemas.microsoft.com/office/drawing/2010/main" val="0"/>
+                <a14:useLocalDpi xmlns:a14="http://schemas.microsoft.com/office/drawing/2010/main" xmlns="" val="0"/>
               </a:ext>
             </a:extLst>
           </a:blip>
@@ -9027,14 +9655,14 @@
           <a:effectLst/>
           <a:extLst>
             <a:ext uri="{909E8E84-426E-40DD-AFC4-6F175D3DCCD1}">
-              <a14:hiddenFill xmlns:a14="http://schemas.microsoft.com/office/drawing/2010/main">
+              <a14:hiddenFill xmlns:a14="http://schemas.microsoft.com/office/drawing/2010/main" xmlns="">
                 <a:solidFill>
                   <a:schemeClr val="accent1"/>
                 </a:solidFill>
               </a14:hiddenFill>
             </a:ext>
             <a:ext uri="{91240B29-F687-4F45-9708-019B960494DF}">
-              <a14:hiddenLine xmlns:a14="http://schemas.microsoft.com/office/drawing/2010/main" w="9525">
+              <a14:hiddenLine xmlns:a14="http://schemas.microsoft.com/office/drawing/2010/main" xmlns="" w="9525">
                 <a:solidFill>
                   <a:schemeClr val="tx1"/>
                 </a:solidFill>
@@ -9044,7 +9672,7 @@
               </a14:hiddenLine>
             </a:ext>
             <a:ext uri="{AF507438-7753-43E0-B8FC-AC1667EBCBE1}">
-              <a14:hiddenEffects xmlns:a14="http://schemas.microsoft.com/office/drawing/2010/main">
+              <a14:hiddenEffects xmlns:a14="http://schemas.microsoft.com/office/drawing/2010/main" xmlns="">
                 <a:effectLst>
                   <a:outerShdw dist="35921" dir="2700000" algn="ctr" rotWithShape="0">
                     <a:schemeClr val="bg2"/>
@@ -9270,10 +9898,10 @@
               <a:buNone/>
             </a:pPr>
             <a:r>
-              <a:rPr lang="de-DE" smtClean="0"/>
+              <a:rPr lang="de-DE" dirty="0" smtClean="0"/>
               <a:t>Deep Autoencoder</a:t>
             </a:r>
-            <a:endParaRPr lang="de-DE"/>
+            <a:endParaRPr lang="de-DE" dirty="0"/>
           </a:p>
         </p:txBody>
       </p:sp>
@@ -9503,7 +10131,7 @@
     </p:spTree>
     <p:extLst>
       <p:ext uri="{BB962C8B-B14F-4D97-AF65-F5344CB8AC3E}">
-        <p14:creationId xmlns:p14="http://schemas.microsoft.com/office/powerpoint/2010/main" val="1849418324"/>
+        <p14:creationId xmlns:p14="http://schemas.microsoft.com/office/powerpoint/2010/main" xmlns="" val="1849418324"/>
       </p:ext>
     </p:extLst>
   </p:cSld>
@@ -9999,11 +10627,7 @@
             </a:r>
             <a:r>
               <a:rPr lang="de-DE" dirty="0" smtClean="0"/>
-              <a:t> (e.g</a:t>
-            </a:r>
-            <a:r>
-              <a:rPr lang="de-DE" dirty="0" smtClean="0"/>
-              <a:t>. 50%) </a:t>
+              <a:t> (e.g. 50%) </a:t>
             </a:r>
             <a:r>
               <a:rPr lang="de-DE" dirty="0" err="1" smtClean="0"/>
@@ -10121,7 +10745,7 @@
           <a:blip r:embed="rId5" cstate="print">
             <a:extLst>
               <a:ext uri="{28A0092B-C50C-407E-A947-70E740481C1C}">
-                <a14:useLocalDpi xmlns:a14="http://schemas.microsoft.com/office/drawing/2010/main" val="0"/>
+                <a14:useLocalDpi xmlns:a14="http://schemas.microsoft.com/office/drawing/2010/main" xmlns="" val="0"/>
               </a:ext>
             </a:extLst>
           </a:blip>
@@ -10155,7 +10779,7 @@
           <a:blip r:embed="rId6" cstate="print">
             <a:extLst>
               <a:ext uri="{28A0092B-C50C-407E-A947-70E740481C1C}">
-                <a14:useLocalDpi xmlns:a14="http://schemas.microsoft.com/office/drawing/2010/main" val="0"/>
+                <a14:useLocalDpi xmlns:a14="http://schemas.microsoft.com/office/drawing/2010/main" xmlns="" val="0"/>
               </a:ext>
             </a:extLst>
           </a:blip>
@@ -10189,7 +10813,7 @@
           <a:blip r:embed="rId7" cstate="print">
             <a:extLst>
               <a:ext uri="{28A0092B-C50C-407E-A947-70E740481C1C}">
-                <a14:useLocalDpi xmlns:a14="http://schemas.microsoft.com/office/drawing/2010/main" val="0"/>
+                <a14:useLocalDpi xmlns:a14="http://schemas.microsoft.com/office/drawing/2010/main" xmlns="" val="0"/>
               </a:ext>
             </a:extLst>
           </a:blip>
@@ -10210,7 +10834,7 @@
     </p:spTree>
     <p:extLst>
       <p:ext uri="{BB962C8B-B14F-4D97-AF65-F5344CB8AC3E}">
-        <p14:creationId xmlns:p14="http://schemas.microsoft.com/office/powerpoint/2010/main" val="3928148777"/>
+        <p14:creationId xmlns:p14="http://schemas.microsoft.com/office/powerpoint/2010/main" xmlns="" val="3928148777"/>
       </p:ext>
     </p:extLst>
   </p:cSld>
@@ -10333,22 +10957,172 @@
           <a:lstStyle/>
           <a:p>
             <a:r>
-              <a:rPr lang="de-DE" smtClean="0"/>
-              <a:t>We can stack multiple hidden layers to create a deep autoencoder</a:t>
-            </a:r>
-          </a:p>
-          <a:p>
-            <a:r>
-              <a:rPr lang="de-DE" smtClean="0"/>
-              <a:t>These are especially suitable for highly non-linear tasks</a:t>
-            </a:r>
-          </a:p>
-          <a:p>
-            <a:r>
-              <a:rPr lang="de-DE" smtClean="0"/>
-              <a:t>The layers are trained layer-wise – one at a time</a:t>
-            </a:r>
-            <a:endParaRPr lang="de-DE"/>
+              <a:rPr lang="de-DE" dirty="0" err="1" smtClean="0"/>
+              <a:t>We</a:t>
+            </a:r>
+            <a:r>
+              <a:rPr lang="de-DE" dirty="0" smtClean="0"/>
+              <a:t> </a:t>
+            </a:r>
+            <a:r>
+              <a:rPr lang="de-DE" dirty="0" err="1" smtClean="0"/>
+              <a:t>can</a:t>
+            </a:r>
+            <a:r>
+              <a:rPr lang="de-DE" dirty="0" smtClean="0"/>
+              <a:t> </a:t>
+            </a:r>
+            <a:r>
+              <a:rPr lang="de-DE" dirty="0" err="1" smtClean="0"/>
+              <a:t>stack</a:t>
+            </a:r>
+            <a:r>
+              <a:rPr lang="de-DE" dirty="0" smtClean="0"/>
+              <a:t> multiple </a:t>
+            </a:r>
+            <a:r>
+              <a:rPr lang="de-DE" dirty="0" err="1" smtClean="0"/>
+              <a:t>hidden</a:t>
+            </a:r>
+            <a:r>
+              <a:rPr lang="de-DE" dirty="0" smtClean="0"/>
+              <a:t> </a:t>
+            </a:r>
+            <a:r>
+              <a:rPr lang="de-DE" dirty="0" err="1" smtClean="0"/>
+              <a:t>layers</a:t>
+            </a:r>
+            <a:r>
+              <a:rPr lang="de-DE" dirty="0" smtClean="0"/>
+              <a:t> </a:t>
+            </a:r>
+            <a:r>
+              <a:rPr lang="de-DE" dirty="0" err="1" smtClean="0"/>
+              <a:t>to</a:t>
+            </a:r>
+            <a:r>
+              <a:rPr lang="de-DE" dirty="0" smtClean="0"/>
+              <a:t> </a:t>
+            </a:r>
+            <a:r>
+              <a:rPr lang="de-DE" dirty="0" err="1" smtClean="0"/>
+              <a:t>create</a:t>
+            </a:r>
+            <a:r>
+              <a:rPr lang="de-DE" dirty="0" smtClean="0"/>
+              <a:t> a </a:t>
+            </a:r>
+            <a:r>
+              <a:rPr lang="de-DE" dirty="0" err="1" smtClean="0"/>
+              <a:t>deep</a:t>
+            </a:r>
+            <a:r>
+              <a:rPr lang="de-DE" dirty="0" smtClean="0"/>
+              <a:t> </a:t>
+            </a:r>
+            <a:r>
+              <a:rPr lang="de-DE" dirty="0" err="1" smtClean="0"/>
+              <a:t>autoencoder</a:t>
+            </a:r>
+            <a:endParaRPr lang="de-DE" dirty="0" smtClean="0"/>
+          </a:p>
+          <a:p>
+            <a:r>
+              <a:rPr lang="de-DE" dirty="0" smtClean="0"/>
+              <a:t>These </a:t>
+            </a:r>
+            <a:r>
+              <a:rPr lang="de-DE" dirty="0" err="1" smtClean="0"/>
+              <a:t>are</a:t>
+            </a:r>
+            <a:r>
+              <a:rPr lang="de-DE" dirty="0" smtClean="0"/>
+              <a:t> </a:t>
+            </a:r>
+            <a:r>
+              <a:rPr lang="de-DE" dirty="0" err="1" smtClean="0"/>
+              <a:t>especially</a:t>
+            </a:r>
+            <a:r>
+              <a:rPr lang="de-DE" dirty="0" smtClean="0"/>
+              <a:t> </a:t>
+            </a:r>
+            <a:r>
+              <a:rPr lang="de-DE" dirty="0" err="1" smtClean="0"/>
+              <a:t>suitable</a:t>
+            </a:r>
+            <a:r>
+              <a:rPr lang="de-DE" dirty="0" smtClean="0"/>
+              <a:t> for </a:t>
+            </a:r>
+            <a:r>
+              <a:rPr lang="de-DE" dirty="0" err="1" smtClean="0"/>
+              <a:t>highly</a:t>
+            </a:r>
+            <a:r>
+              <a:rPr lang="de-DE" dirty="0" smtClean="0"/>
+              <a:t> non-linear </a:t>
+            </a:r>
+            <a:r>
+              <a:rPr lang="de-DE" dirty="0" err="1" smtClean="0"/>
+              <a:t>tasks</a:t>
+            </a:r>
+            <a:endParaRPr lang="de-DE" dirty="0" smtClean="0"/>
+          </a:p>
+          <a:p>
+            <a:r>
+              <a:rPr lang="de-DE" dirty="0" smtClean="0"/>
+              <a:t>The </a:t>
+            </a:r>
+            <a:r>
+              <a:rPr lang="de-DE" dirty="0" err="1" smtClean="0"/>
+              <a:t>layers</a:t>
+            </a:r>
+            <a:r>
+              <a:rPr lang="de-DE" dirty="0" smtClean="0"/>
+              <a:t> </a:t>
+            </a:r>
+            <a:r>
+              <a:rPr lang="de-DE" dirty="0" err="1" smtClean="0"/>
+              <a:t>are</a:t>
+            </a:r>
+            <a:r>
+              <a:rPr lang="de-DE" dirty="0" smtClean="0"/>
+              <a:t> </a:t>
+            </a:r>
+            <a:r>
+              <a:rPr lang="de-DE" dirty="0" err="1" smtClean="0"/>
+              <a:t>trained</a:t>
+            </a:r>
+            <a:r>
+              <a:rPr lang="de-DE" dirty="0" smtClean="0"/>
+              <a:t> </a:t>
+            </a:r>
+            <a:r>
+              <a:rPr lang="de-DE" dirty="0" err="1" smtClean="0"/>
+              <a:t>layer-wise</a:t>
+            </a:r>
+            <a:r>
+              <a:rPr lang="de-DE" dirty="0" smtClean="0"/>
+              <a:t> – </a:t>
+            </a:r>
+            <a:r>
+              <a:rPr lang="de-DE" dirty="0" err="1" smtClean="0"/>
+              <a:t>one</a:t>
+            </a:r>
+            <a:r>
+              <a:rPr lang="de-DE" dirty="0" smtClean="0"/>
+              <a:t> </a:t>
+            </a:r>
+            <a:r>
+              <a:rPr lang="de-DE" dirty="0" err="1" smtClean="0"/>
+              <a:t>at</a:t>
+            </a:r>
+            <a:r>
+              <a:rPr lang="de-DE" dirty="0" smtClean="0"/>
+              <a:t> a time</a:t>
+            </a:r>
+            <a:endParaRPr lang="de-DE" dirty="0"/>
           </a:p>
         </p:txBody>
       </p:sp>
@@ -10364,7 +11138,7 @@
           <a:blip r:embed="rId2">
             <a:extLst>
               <a:ext uri="{28A0092B-C50C-407E-A947-70E740481C1C}">
-                <a14:useLocalDpi xmlns:a14="http://schemas.microsoft.com/office/drawing/2010/main" val="0"/>
+                <a14:useLocalDpi xmlns:a14="http://schemas.microsoft.com/office/drawing/2010/main" xmlns="" val="0"/>
               </a:ext>
             </a:extLst>
           </a:blip>
@@ -10388,14 +11162,14 @@
           <a:effectLst/>
           <a:extLst>
             <a:ext uri="{909E8E84-426E-40DD-AFC4-6F175D3DCCD1}">
-              <a14:hiddenFill xmlns:a14="http://schemas.microsoft.com/office/drawing/2010/main">
+              <a14:hiddenFill xmlns:a14="http://schemas.microsoft.com/office/drawing/2010/main" xmlns="">
                 <a:solidFill>
                   <a:schemeClr val="accent1"/>
                 </a:solidFill>
               </a14:hiddenFill>
             </a:ext>
             <a:ext uri="{91240B29-F687-4F45-9708-019B960494DF}">
-              <a14:hiddenLine xmlns:a14="http://schemas.microsoft.com/office/drawing/2010/main" w="9525">
+              <a14:hiddenLine xmlns:a14="http://schemas.microsoft.com/office/drawing/2010/main" xmlns="" w="9525">
                 <a:solidFill>
                   <a:schemeClr val="tx1"/>
                 </a:solidFill>
@@ -10405,7 +11179,7 @@
               </a14:hiddenLine>
             </a:ext>
             <a:ext uri="{AF507438-7753-43E0-B8FC-AC1667EBCBE1}">
-              <a14:hiddenEffects xmlns:a14="http://schemas.microsoft.com/office/drawing/2010/main">
+              <a14:hiddenEffects xmlns:a14="http://schemas.microsoft.com/office/drawing/2010/main" xmlns="">
                 <a:effectLst>
                   <a:outerShdw dist="35921" dir="2700000" algn="ctr" rotWithShape="0">
                     <a:schemeClr val="bg2"/>
@@ -10450,7 +11224,7 @@
     </p:spTree>
     <p:extLst>
       <p:ext uri="{BB962C8B-B14F-4D97-AF65-F5344CB8AC3E}">
-        <p14:creationId xmlns:p14="http://schemas.microsoft.com/office/powerpoint/2010/main" val="2237578368"/>
+        <p14:creationId xmlns:p14="http://schemas.microsoft.com/office/powerpoint/2010/main" xmlns="" val="2237578368"/>
       </p:ext>
     </p:extLst>
   </p:cSld>
@@ -10545,7 +11319,7 @@
           <a:blip r:embed="rId3">
             <a:extLst>
               <a:ext uri="{28A0092B-C50C-407E-A947-70E740481C1C}">
-                <a14:useLocalDpi xmlns:a14="http://schemas.microsoft.com/office/drawing/2010/main" val="0"/>
+                <a14:useLocalDpi xmlns:a14="http://schemas.microsoft.com/office/drawing/2010/main" xmlns="" val="0"/>
               </a:ext>
             </a:extLst>
           </a:blip>
@@ -10569,14 +11343,14 @@
           <a:effectLst/>
           <a:extLst>
             <a:ext uri="{909E8E84-426E-40DD-AFC4-6F175D3DCCD1}">
-              <a14:hiddenFill xmlns:a14="http://schemas.microsoft.com/office/drawing/2010/main">
+              <a14:hiddenFill xmlns:a14="http://schemas.microsoft.com/office/drawing/2010/main" xmlns="">
                 <a:solidFill>
                   <a:schemeClr val="accent1"/>
                 </a:solidFill>
               </a14:hiddenFill>
             </a:ext>
             <a:ext uri="{91240B29-F687-4F45-9708-019B960494DF}">
-              <a14:hiddenLine xmlns:a14="http://schemas.microsoft.com/office/drawing/2010/main" w="9525">
+              <a14:hiddenLine xmlns:a14="http://schemas.microsoft.com/office/drawing/2010/main" xmlns="" w="9525">
                 <a:solidFill>
                   <a:schemeClr val="tx1"/>
                 </a:solidFill>
@@ -10586,7 +11360,7 @@
               </a14:hiddenLine>
             </a:ext>
             <a:ext uri="{AF507438-7753-43E0-B8FC-AC1667EBCBE1}">
-              <a14:hiddenEffects xmlns:a14="http://schemas.microsoft.com/office/drawing/2010/main">
+              <a14:hiddenEffects xmlns:a14="http://schemas.microsoft.com/office/drawing/2010/main" xmlns="">
                 <a:effectLst>
                   <a:outerShdw dist="35921" dir="2700000" algn="ctr" rotWithShape="0">
                     <a:schemeClr val="bg2"/>
@@ -10644,7 +11418,7 @@
           <a:blip r:embed="rId4" cstate="print">
             <a:extLst>
               <a:ext uri="{28A0092B-C50C-407E-A947-70E740481C1C}">
-                <a14:useLocalDpi xmlns:a14="http://schemas.microsoft.com/office/drawing/2010/main" val="0"/>
+                <a14:useLocalDpi xmlns:a14="http://schemas.microsoft.com/office/drawing/2010/main" xmlns="" val="0"/>
               </a:ext>
             </a:extLst>
           </a:blip>
@@ -10665,7 +11439,7 @@
     </p:spTree>
     <p:extLst>
       <p:ext uri="{BB962C8B-B14F-4D97-AF65-F5344CB8AC3E}">
-        <p14:creationId xmlns:p14="http://schemas.microsoft.com/office/powerpoint/2010/main" val="3026282108"/>
+        <p14:creationId xmlns:p14="http://schemas.microsoft.com/office/powerpoint/2010/main" xmlns="" val="3026282108"/>
       </p:ext>
     </p:extLst>
   </p:cSld>
@@ -10768,10 +11542,70 @@
           <a:lstStyle/>
           <a:p>
             <a:r>
-              <a:rPr lang="de-DE" smtClean="0"/>
-              <a:t>After pretraining all hidden layers, the deep autoencoder is fine-tuned</a:t>
-            </a:r>
-            <a:endParaRPr lang="de-DE"/>
+              <a:rPr lang="de-DE" dirty="0" smtClean="0"/>
+              <a:t>After </a:t>
+            </a:r>
+            <a:r>
+              <a:rPr lang="de-DE" dirty="0" err="1" smtClean="0"/>
+              <a:t>pretraining</a:t>
+            </a:r>
+            <a:r>
+              <a:rPr lang="de-DE" dirty="0" smtClean="0"/>
+              <a:t> all </a:t>
+            </a:r>
+            <a:r>
+              <a:rPr lang="de-DE" dirty="0" err="1" smtClean="0"/>
+              <a:t>hidden</a:t>
+            </a:r>
+            <a:r>
+              <a:rPr lang="de-DE" dirty="0" smtClean="0"/>
+              <a:t> </a:t>
+            </a:r>
+            <a:r>
+              <a:rPr lang="de-DE" dirty="0" err="1" smtClean="0"/>
+              <a:t>layers</a:t>
+            </a:r>
+            <a:r>
+              <a:rPr lang="de-DE" dirty="0" smtClean="0"/>
+              <a:t>, </a:t>
+            </a:r>
+            <a:r>
+              <a:rPr lang="de-DE" dirty="0" err="1" smtClean="0"/>
+              <a:t>the</a:t>
+            </a:r>
+            <a:r>
+              <a:rPr lang="de-DE" dirty="0" smtClean="0"/>
+              <a:t> </a:t>
+            </a:r>
+            <a:r>
+              <a:rPr lang="de-DE" dirty="0" err="1" smtClean="0"/>
+              <a:t>deep</a:t>
+            </a:r>
+            <a:r>
+              <a:rPr lang="de-DE" dirty="0" smtClean="0"/>
+              <a:t> </a:t>
+            </a:r>
+            <a:r>
+              <a:rPr lang="de-DE" dirty="0" err="1" smtClean="0"/>
+              <a:t>autoencoder</a:t>
+            </a:r>
+            <a:r>
+              <a:rPr lang="de-DE" dirty="0" smtClean="0"/>
+              <a:t> </a:t>
+            </a:r>
+            <a:r>
+              <a:rPr lang="de-DE" dirty="0" err="1" smtClean="0"/>
+              <a:t>is</a:t>
+            </a:r>
+            <a:r>
+              <a:rPr lang="de-DE" dirty="0" smtClean="0"/>
+              <a:t> </a:t>
+            </a:r>
+            <a:r>
+              <a:rPr lang="de-DE" dirty="0" err="1" smtClean="0"/>
+              <a:t>fine-tuned</a:t>
+            </a:r>
+            <a:endParaRPr lang="de-DE" dirty="0"/>
           </a:p>
         </p:txBody>
       </p:sp>
@@ -10821,8 +11655,12 @@
               </a:spcBef>
             </a:pPr>
             <a:r>
-              <a:rPr lang="de-DE" b="1" smtClean="0"/>
-              <a:t>Unsupervised Fine-Tuning:</a:t>
+              <a:rPr lang="de-DE" b="1" dirty="0" err="1" smtClean="0"/>
+              <a:t>Unsupervised</a:t>
+            </a:r>
+            <a:r>
+              <a:rPr lang="de-DE" b="1" dirty="0" smtClean="0"/>
+              <a:t> Fine-Tuning:</a:t>
             </a:r>
           </a:p>
           <a:p>
@@ -10834,9 +11672,58 @@
               <a:buChar char="§"/>
             </a:pPr>
             <a:r>
-              <a:rPr lang="de-DE" smtClean="0"/>
-              <a:t>Apply back propagation to the complete deep autoencoder</a:t>
-            </a:r>
+              <a:rPr lang="de-DE" dirty="0" err="1" smtClean="0"/>
+              <a:t>Apply</a:t>
+            </a:r>
+            <a:r>
+              <a:rPr lang="de-DE" dirty="0" smtClean="0"/>
+              <a:t> back </a:t>
+            </a:r>
+            <a:r>
+              <a:rPr lang="de-DE" dirty="0" err="1" smtClean="0"/>
+              <a:t>propagation</a:t>
+            </a:r>
+            <a:r>
+              <a:rPr lang="de-DE" dirty="0" smtClean="0"/>
+              <a:t> </a:t>
+            </a:r>
+            <a:r>
+              <a:rPr lang="de-DE" dirty="0" err="1" smtClean="0"/>
+              <a:t>to</a:t>
+            </a:r>
+            <a:r>
+              <a:rPr lang="de-DE" dirty="0" smtClean="0"/>
+              <a:t> </a:t>
+            </a:r>
+            <a:r>
+              <a:rPr lang="de-DE" dirty="0" err="1" smtClean="0"/>
+              <a:t>the</a:t>
+            </a:r>
+            <a:r>
+              <a:rPr lang="de-DE" dirty="0" smtClean="0"/>
+              <a:t> </a:t>
+            </a:r>
+            <a:r>
+              <a:rPr lang="de-DE" dirty="0" err="1" smtClean="0"/>
+              <a:t>complete</a:t>
+            </a:r>
+            <a:r>
+              <a:rPr lang="de-DE" dirty="0" smtClean="0"/>
+              <a:t> </a:t>
+            </a:r>
+            <a:r>
+              <a:rPr lang="de-DE" dirty="0" err="1" smtClean="0"/>
+              <a:t>deep</a:t>
+            </a:r>
+            <a:r>
+              <a:rPr lang="de-DE" dirty="0" smtClean="0"/>
+              <a:t> </a:t>
+            </a:r>
+            <a:r>
+              <a:rPr lang="de-DE" dirty="0" err="1" smtClean="0"/>
+              <a:t>autoencoder</a:t>
+            </a:r>
+            <a:endParaRPr lang="de-DE" dirty="0" smtClean="0"/>
           </a:p>
           <a:p>
             <a:pPr marL="444500" indent="-285750">
@@ -10847,8 +11734,16 @@
               <a:buChar char="§"/>
             </a:pPr>
             <a:r>
-              <a:rPr lang="de-DE" smtClean="0"/>
-              <a:t>Error-Function:</a:t>
+              <a:rPr lang="de-DE" dirty="0" smtClean="0"/>
+              <a:t>Error-</a:t>
+            </a:r>
+            <a:r>
+              <a:rPr lang="de-DE" dirty="0" err="1" smtClean="0"/>
+              <a:t>Function</a:t>
+            </a:r>
+            <a:r>
+              <a:rPr lang="de-DE" dirty="0" smtClean="0"/>
+              <a:t>:</a:t>
             </a:r>
           </a:p>
           <a:p>
@@ -10859,7 +11754,7 @@
               <a:buFont typeface="Wingdings" pitchFamily="2" charset="2"/>
               <a:buChar char="§"/>
             </a:pPr>
-            <a:endParaRPr lang="de-DE"/>
+            <a:endParaRPr lang="de-DE" dirty="0"/>
           </a:p>
           <a:p>
             <a:pPr marL="444500" indent="-285750">
@@ -10869,7 +11764,7 @@
               <a:buFont typeface="Wingdings" pitchFamily="2" charset="2"/>
               <a:buChar char="§"/>
             </a:pPr>
-            <a:endParaRPr lang="de-DE" smtClean="0"/>
+            <a:endParaRPr lang="de-DE" dirty="0" smtClean="0"/>
           </a:p>
           <a:p>
             <a:pPr marL="444500" indent="-285750">
@@ -10880,18 +11775,38 @@
               <a:buChar char="§"/>
             </a:pPr>
             <a:r>
-              <a:rPr lang="de-DE" smtClean="0"/>
-              <a:t>Further details, see </a:t>
-            </a:r>
-            <a:r>
-              <a:rPr lang="en-US"/>
+              <a:rPr lang="de-DE" dirty="0" err="1" smtClean="0"/>
+              <a:t>Further</a:t>
+            </a:r>
+            <a:r>
+              <a:rPr lang="de-DE" dirty="0" smtClean="0"/>
+              <a:t> </a:t>
+            </a:r>
+            <a:r>
+              <a:rPr lang="de-DE" dirty="0" err="1" smtClean="0"/>
+              <a:t>details</a:t>
+            </a:r>
+            <a:r>
+              <a:rPr lang="de-DE" dirty="0" smtClean="0"/>
+              <a:t>, </a:t>
+            </a:r>
+            <a:r>
+              <a:rPr lang="de-DE" dirty="0" err="1" smtClean="0"/>
+              <a:t>see</a:t>
+            </a:r>
+            <a:r>
+              <a:rPr lang="de-DE" dirty="0" smtClean="0"/>
+              <a:t> </a:t>
+            </a:r>
+            <a:r>
+              <a:rPr lang="en-US" dirty="0"/>
               <a:t>Hinton </a:t>
             </a:r>
             <a:r>
-              <a:rPr lang="en-US" smtClean="0"/>
+              <a:rPr lang="en-US" dirty="0" smtClean="0"/>
               <a:t>et al.</a:t>
             </a:r>
-            <a:endParaRPr lang="de-DE" smtClean="0"/>
+            <a:endParaRPr lang="de-DE" dirty="0" smtClean="0"/>
           </a:p>
           <a:p>
             <a:pPr marL="444500" indent="-285750">
@@ -10902,14 +11817,82 @@
               <a:buChar char="§"/>
             </a:pPr>
             <a:r>
-              <a:rPr lang="de-DE" i="1"/>
-              <a:t>(It appears that </a:t>
-            </a:r>
-            <a:r>
-              <a:rPr lang="de-DE" i="1" smtClean="0"/>
-              <a:t>supervised fine-tuning is more common nowadays)</a:t>
-            </a:r>
-            <a:endParaRPr lang="de-DE" i="1"/>
+              <a:rPr lang="de-DE" i="1" dirty="0"/>
+              <a:t>(</a:t>
+            </a:r>
+            <a:r>
+              <a:rPr lang="de-DE" i="1" dirty="0" err="1"/>
+              <a:t>It</a:t>
+            </a:r>
+            <a:r>
+              <a:rPr lang="de-DE" i="1" dirty="0"/>
+              <a:t> </a:t>
+            </a:r>
+            <a:r>
+              <a:rPr lang="de-DE" i="1" dirty="0" err="1"/>
+              <a:t>appears</a:t>
+            </a:r>
+            <a:r>
+              <a:rPr lang="de-DE" i="1" dirty="0"/>
+              <a:t> </a:t>
+            </a:r>
+            <a:r>
+              <a:rPr lang="de-DE" i="1" dirty="0" err="1"/>
+              <a:t>that</a:t>
+            </a:r>
+            <a:r>
+              <a:rPr lang="de-DE" i="1" dirty="0"/>
+              <a:t> </a:t>
+            </a:r>
+            <a:r>
+              <a:rPr lang="de-DE" i="1" dirty="0" err="1" smtClean="0"/>
+              <a:t>supervised</a:t>
+            </a:r>
+            <a:r>
+              <a:rPr lang="de-DE" i="1" dirty="0" smtClean="0"/>
+              <a:t> </a:t>
+            </a:r>
+            <a:r>
+              <a:rPr lang="de-DE" i="1" dirty="0" err="1" smtClean="0"/>
+              <a:t>fine-tuning</a:t>
+            </a:r>
+            <a:r>
+              <a:rPr lang="de-DE" i="1" dirty="0" smtClean="0"/>
+              <a:t> </a:t>
+            </a:r>
+            <a:r>
+              <a:rPr lang="de-DE" i="1" dirty="0" err="1" smtClean="0"/>
+              <a:t>is</a:t>
+            </a:r>
+            <a:r>
+              <a:rPr lang="de-DE" i="1" dirty="0" smtClean="0"/>
+              <a:t> </a:t>
+            </a:r>
+            <a:r>
+              <a:rPr lang="de-DE" i="1" dirty="0" err="1" smtClean="0"/>
+              <a:t>more</a:t>
+            </a:r>
+            <a:r>
+              <a:rPr lang="de-DE" i="1" dirty="0" smtClean="0"/>
+              <a:t> </a:t>
+            </a:r>
+            <a:r>
+              <a:rPr lang="de-DE" i="1" dirty="0" err="1" smtClean="0"/>
+              <a:t>common</a:t>
+            </a:r>
+            <a:r>
+              <a:rPr lang="de-DE" i="1" dirty="0" smtClean="0"/>
+              <a:t> </a:t>
+            </a:r>
+            <a:r>
+              <a:rPr lang="de-DE" i="1" dirty="0" err="1" smtClean="0"/>
+              <a:t>nowadays</a:t>
+            </a:r>
+            <a:r>
+              <a:rPr lang="de-DE" i="1" dirty="0" smtClean="0"/>
+              <a:t>)</a:t>
+            </a:r>
+            <a:endParaRPr lang="de-DE" i="1" dirty="0"/>
           </a:p>
           <a:p>
             <a:pPr marL="285750" indent="-285750">
@@ -10919,7 +11902,7 @@
               <a:buFont typeface="Wingdings" pitchFamily="2" charset="2"/>
               <a:buChar char="§"/>
             </a:pPr>
-            <a:endParaRPr lang="de-DE" b="1"/>
+            <a:endParaRPr lang="de-DE" b="1" dirty="0"/>
           </a:p>
         </p:txBody>
       </p:sp>
@@ -10939,7 +11922,7 @@
           <a:blip r:embed="rId3" cstate="print">
             <a:extLst>
               <a:ext uri="{28A0092B-C50C-407E-A947-70E740481C1C}">
-                <a14:useLocalDpi xmlns:a14="http://schemas.microsoft.com/office/drawing/2010/main" val="0"/>
+                <a14:useLocalDpi xmlns:a14="http://schemas.microsoft.com/office/drawing/2010/main" xmlns="" val="0"/>
               </a:ext>
             </a:extLst>
           </a:blip>
@@ -11217,15 +12200,7 @@
             </a:r>
             <a:r>
               <a:rPr lang="de-DE" dirty="0"/>
-              <a:t> </a:t>
-            </a:r>
-            <a:r>
-              <a:rPr lang="de-DE" dirty="0" err="1"/>
-              <a:t>for</a:t>
-            </a:r>
-            <a:r>
-              <a:rPr lang="de-DE" dirty="0"/>
-              <a:t> an </a:t>
+              <a:t> for an </a:t>
             </a:r>
             <a:r>
               <a:rPr lang="de-DE" dirty="0" err="1"/>
@@ -11304,7 +12279,7 @@
     </p:spTree>
     <p:extLst>
       <p:ext uri="{BB962C8B-B14F-4D97-AF65-F5344CB8AC3E}">
-        <p14:creationId xmlns:p14="http://schemas.microsoft.com/office/powerpoint/2010/main" val="1309889836"/>
+        <p14:creationId xmlns:p14="http://schemas.microsoft.com/office/powerpoint/2010/main" xmlns="" val="1309889836"/>
       </p:ext>
     </p:extLst>
   </p:cSld>
@@ -11429,13 +12404,20 @@
     </p:spTree>
     <p:extLst>
       <p:ext uri="{BB962C8B-B14F-4D97-AF65-F5344CB8AC3E}">
-        <p14:creationId xmlns:p14="http://schemas.microsoft.com/office/powerpoint/2010/main" val="1084383586"/>
+        <p14:creationId xmlns:p14="http://schemas.microsoft.com/office/powerpoint/2010/main" xmlns="" val="1084383586"/>
       </p:ext>
     </p:extLst>
   </p:cSld>
   <p:clrMapOvr>
     <a:masterClrMapping/>
   </p:clrMapOvr>
+  <p:timing>
+    <p:tnLst>
+      <p:par>
+        <p:cTn id="1" dur="indefinite" restart="never" nodeType="tmRoot"/>
+      </p:par>
+    </p:tnLst>
+  </p:timing>
 </p:sld>
 </file>
 
@@ -11517,7 +12499,7 @@
           <a:blip r:embed="rId4">
             <a:extLst>
               <a:ext uri="{28A0092B-C50C-407E-A947-70E740481C1C}">
-                <a14:useLocalDpi xmlns:a14="http://schemas.microsoft.com/office/drawing/2010/main" val="0"/>
+                <a14:useLocalDpi xmlns:a14="http://schemas.microsoft.com/office/drawing/2010/main" xmlns="" val="0"/>
               </a:ext>
             </a:extLst>
           </a:blip>
@@ -11537,7 +12519,7 @@
           <a:noFill/>
           <a:extLst>
             <a:ext uri="{909E8E84-426E-40DD-AFC4-6F175D3DCCD1}">
-              <a14:hiddenFill xmlns:a14="http://schemas.microsoft.com/office/drawing/2010/main">
+              <a14:hiddenFill xmlns:a14="http://schemas.microsoft.com/office/drawing/2010/main" xmlns="">
                 <a:solidFill>
                   <a:srgbClr val="FFFFFF"/>
                 </a:solidFill>
@@ -11663,7 +12645,7 @@
           <a:blip r:embed="rId5" cstate="print">
             <a:extLst>
               <a:ext uri="{28A0092B-C50C-407E-A947-70E740481C1C}">
-                <a14:useLocalDpi xmlns:a14="http://schemas.microsoft.com/office/drawing/2010/main" val="0"/>
+                <a14:useLocalDpi xmlns:a14="http://schemas.microsoft.com/office/drawing/2010/main" xmlns="" val="0"/>
               </a:ext>
             </a:extLst>
           </a:blip>
@@ -11697,7 +12679,7 @@
           <a:blip r:embed="rId6" cstate="print">
             <a:extLst>
               <a:ext uri="{28A0092B-C50C-407E-A947-70E740481C1C}">
-                <a14:useLocalDpi xmlns:a14="http://schemas.microsoft.com/office/drawing/2010/main" val="0"/>
+                <a14:useLocalDpi xmlns:a14="http://schemas.microsoft.com/office/drawing/2010/main" xmlns="" val="0"/>
               </a:ext>
             </a:extLst>
           </a:blip>
@@ -11769,7 +12751,7 @@
     </p:spTree>
     <p:extLst>
       <p:ext uri="{BB962C8B-B14F-4D97-AF65-F5344CB8AC3E}">
-        <p14:creationId xmlns:p14="http://schemas.microsoft.com/office/powerpoint/2010/main" val="232003638"/>
+        <p14:creationId xmlns:p14="http://schemas.microsoft.com/office/powerpoint/2010/main" xmlns="" val="232003638"/>
       </p:ext>
     </p:extLst>
   </p:cSld>
@@ -11898,9 +12880,26 @@
               </a:spcBef>
             </a:pPr>
             <a:r>
-              <a:rPr lang="de-DE" b="1" smtClean="0"/>
-              <a:t>Pretrain second autoencoder</a:t>
-            </a:r>
+              <a:rPr lang="de-DE" b="1" dirty="0" err="1" smtClean="0"/>
+              <a:t>Pretrain</a:t>
+            </a:r>
+            <a:r>
+              <a:rPr lang="de-DE" b="1" dirty="0" smtClean="0"/>
+              <a:t> </a:t>
+            </a:r>
+            <a:r>
+              <a:rPr lang="de-DE" b="1" dirty="0" err="1" smtClean="0"/>
+              <a:t>second</a:t>
+            </a:r>
+            <a:r>
+              <a:rPr lang="de-DE" b="1" dirty="0" smtClean="0"/>
+              <a:t> </a:t>
+            </a:r>
+            <a:r>
+              <a:rPr lang="de-DE" b="1" dirty="0" err="1" smtClean="0"/>
+              <a:t>autoencoder</a:t>
+            </a:r>
+            <a:endParaRPr lang="de-DE" b="1" dirty="0" smtClean="0"/>
           </a:p>
           <a:p>
             <a:pPr marL="444500" indent="-285750">
@@ -11911,8 +12910,108 @@
               <a:buChar char="§"/>
             </a:pPr>
             <a:r>
-              <a:rPr lang="de-DE" smtClean="0"/>
-              <a:t>Use the values of the previous hidden units as input for the next autoencoder. </a:t>
+              <a:rPr lang="de-DE" dirty="0" err="1" smtClean="0"/>
+              <a:t>Use</a:t>
+            </a:r>
+            <a:r>
+              <a:rPr lang="de-DE" dirty="0" smtClean="0"/>
+              <a:t> </a:t>
+            </a:r>
+            <a:r>
+              <a:rPr lang="de-DE" dirty="0" err="1" smtClean="0"/>
+              <a:t>the</a:t>
+            </a:r>
+            <a:r>
+              <a:rPr lang="de-DE" dirty="0" smtClean="0"/>
+              <a:t> </a:t>
+            </a:r>
+            <a:r>
+              <a:rPr lang="de-DE" dirty="0" err="1" smtClean="0"/>
+              <a:t>values</a:t>
+            </a:r>
+            <a:r>
+              <a:rPr lang="de-DE" dirty="0" smtClean="0"/>
+              <a:t> </a:t>
+            </a:r>
+            <a:r>
+              <a:rPr lang="de-DE" dirty="0" err="1" smtClean="0"/>
+              <a:t>of</a:t>
+            </a:r>
+            <a:r>
+              <a:rPr lang="de-DE" dirty="0" smtClean="0"/>
+              <a:t> </a:t>
+            </a:r>
+            <a:r>
+              <a:rPr lang="de-DE" dirty="0" err="1" smtClean="0"/>
+              <a:t>the</a:t>
+            </a:r>
+            <a:r>
+              <a:rPr lang="de-DE" dirty="0" smtClean="0"/>
+              <a:t> </a:t>
+            </a:r>
+            <a:r>
+              <a:rPr lang="de-DE" dirty="0" err="1" smtClean="0"/>
+              <a:t>previous</a:t>
+            </a:r>
+            <a:r>
+              <a:rPr lang="de-DE" dirty="0" smtClean="0"/>
+              <a:t> </a:t>
+            </a:r>
+            <a:r>
+              <a:rPr lang="de-DE" dirty="0" err="1" smtClean="0"/>
+              <a:t>hidden</a:t>
+            </a:r>
+            <a:r>
+              <a:rPr lang="de-DE" dirty="0" smtClean="0"/>
+              <a:t> </a:t>
+            </a:r>
+            <a:r>
+              <a:rPr lang="de-DE" dirty="0" err="1" smtClean="0"/>
+              <a:t>units</a:t>
+            </a:r>
+            <a:r>
+              <a:rPr lang="de-DE" dirty="0" smtClean="0"/>
+              <a:t> </a:t>
+            </a:r>
+            <a:r>
+              <a:rPr lang="de-DE" dirty="0" err="1" smtClean="0"/>
+              <a:t>as</a:t>
+            </a:r>
+            <a:r>
+              <a:rPr lang="de-DE" dirty="0" smtClean="0"/>
+              <a:t> </a:t>
+            </a:r>
+            <a:r>
+              <a:rPr lang="de-DE" dirty="0" err="1" smtClean="0"/>
+              <a:t>input</a:t>
+            </a:r>
+            <a:r>
+              <a:rPr lang="de-DE" dirty="0" smtClean="0"/>
+              <a:t> for </a:t>
+            </a:r>
+            <a:r>
+              <a:rPr lang="de-DE" dirty="0" err="1" smtClean="0"/>
+              <a:t>the</a:t>
+            </a:r>
+            <a:r>
+              <a:rPr lang="de-DE" dirty="0" smtClean="0"/>
+              <a:t> </a:t>
+            </a:r>
+            <a:r>
+              <a:rPr lang="de-DE" dirty="0" err="1" smtClean="0"/>
+              <a:t>next</a:t>
+            </a:r>
+            <a:r>
+              <a:rPr lang="de-DE" dirty="0" smtClean="0"/>
+              <a:t> </a:t>
+            </a:r>
+            <a:r>
+              <a:rPr lang="de-DE" dirty="0" err="1" smtClean="0"/>
+              <a:t>autoencoder</a:t>
+            </a:r>
+            <a:r>
+              <a:rPr lang="de-DE" dirty="0" smtClean="0"/>
+              <a:t>. </a:t>
             </a:r>
           </a:p>
           <a:p>
@@ -11924,9 +13023,22 @@
               <a:buChar char="§"/>
             </a:pPr>
             <a:r>
-              <a:rPr lang="de-DE" smtClean="0"/>
-              <a:t>Train as before</a:t>
-            </a:r>
+              <a:rPr lang="de-DE" dirty="0" smtClean="0"/>
+              <a:t>Train </a:t>
+            </a:r>
+            <a:r>
+              <a:rPr lang="de-DE" dirty="0" err="1" smtClean="0"/>
+              <a:t>as</a:t>
+            </a:r>
+            <a:r>
+              <a:rPr lang="de-DE" dirty="0" smtClean="0"/>
+              <a:t> </a:t>
+            </a:r>
+            <a:r>
+              <a:rPr lang="de-DE" dirty="0" err="1" smtClean="0"/>
+              <a:t>before</a:t>
+            </a:r>
+            <a:endParaRPr lang="de-DE" dirty="0" smtClean="0"/>
           </a:p>
           <a:p>
             <a:pPr marL="285750" indent="-285750">
@@ -11936,7 +13048,7 @@
               <a:buFont typeface="Wingdings" pitchFamily="2" charset="2"/>
               <a:buChar char="§"/>
             </a:pPr>
-            <a:endParaRPr lang="de-DE" b="1"/>
+            <a:endParaRPr lang="de-DE" b="1" dirty="0"/>
           </a:p>
         </p:txBody>
       </p:sp>
@@ -11952,7 +13064,7 @@
           <a:blip r:embed="rId2">
             <a:extLst>
               <a:ext uri="{28A0092B-C50C-407E-A947-70E740481C1C}">
-                <a14:useLocalDpi xmlns:a14="http://schemas.microsoft.com/office/drawing/2010/main" val="0"/>
+                <a14:useLocalDpi xmlns:a14="http://schemas.microsoft.com/office/drawing/2010/main" xmlns="" val="0"/>
               </a:ext>
             </a:extLst>
           </a:blip>
@@ -11972,7 +13084,7 @@
           <a:noFill/>
           <a:extLst>
             <a:ext uri="{909E8E84-426E-40DD-AFC4-6F175D3DCCD1}">
-              <a14:hiddenFill xmlns:a14="http://schemas.microsoft.com/office/drawing/2010/main">
+              <a14:hiddenFill xmlns:a14="http://schemas.microsoft.com/office/drawing/2010/main" xmlns="">
                 <a:solidFill>
                   <a:srgbClr val="FFFFFF"/>
                 </a:solidFill>
@@ -12035,7 +13147,7 @@
     </p:spTree>
     <p:extLst>
       <p:ext uri="{BB962C8B-B14F-4D97-AF65-F5344CB8AC3E}">
-        <p14:creationId xmlns:p14="http://schemas.microsoft.com/office/powerpoint/2010/main" val="3043952885"/>
+        <p14:creationId xmlns:p14="http://schemas.microsoft.com/office/powerpoint/2010/main" xmlns="" val="3043952885"/>
       </p:ext>
     </p:extLst>
   </p:cSld>
@@ -12164,9 +13276,26 @@
               </a:spcBef>
             </a:pPr>
             <a:r>
-              <a:rPr lang="de-DE" b="1" smtClean="0"/>
-              <a:t>Pretrain softmax layer</a:t>
-            </a:r>
+              <a:rPr lang="de-DE" b="1" dirty="0" err="1" smtClean="0"/>
+              <a:t>Pretrain</a:t>
+            </a:r>
+            <a:r>
+              <a:rPr lang="de-DE" b="1" dirty="0" smtClean="0"/>
+              <a:t> </a:t>
+            </a:r>
+            <a:r>
+              <a:rPr lang="de-DE" b="1" dirty="0" err="1" smtClean="0"/>
+              <a:t>softmax</a:t>
+            </a:r>
+            <a:r>
+              <a:rPr lang="de-DE" b="1" dirty="0" smtClean="0"/>
+              <a:t> </a:t>
+            </a:r>
+            <a:r>
+              <a:rPr lang="de-DE" b="1" dirty="0" err="1" smtClean="0"/>
+              <a:t>layer</a:t>
+            </a:r>
+            <a:endParaRPr lang="de-DE" b="1" dirty="0" smtClean="0"/>
           </a:p>
           <a:p>
             <a:pPr marL="444500" indent="-285750">
@@ -12177,9 +13306,78 @@
               <a:buChar char="§"/>
             </a:pPr>
             <a:r>
-              <a:rPr lang="de-DE" smtClean="0"/>
-              <a:t>After second pretraining finishes, add a softmax layer for your classification task</a:t>
-            </a:r>
+              <a:rPr lang="de-DE" dirty="0" smtClean="0"/>
+              <a:t>After </a:t>
+            </a:r>
+            <a:r>
+              <a:rPr lang="de-DE" dirty="0" err="1" smtClean="0"/>
+              <a:t>second</a:t>
+            </a:r>
+            <a:r>
+              <a:rPr lang="de-DE" dirty="0" smtClean="0"/>
+              <a:t> </a:t>
+            </a:r>
+            <a:r>
+              <a:rPr lang="de-DE" dirty="0" err="1" smtClean="0"/>
+              <a:t>pretraining</a:t>
+            </a:r>
+            <a:r>
+              <a:rPr lang="de-DE" dirty="0" smtClean="0"/>
+              <a:t> </a:t>
+            </a:r>
+            <a:r>
+              <a:rPr lang="de-DE" dirty="0" err="1" smtClean="0"/>
+              <a:t>finishes</a:t>
+            </a:r>
+            <a:r>
+              <a:rPr lang="de-DE" dirty="0" smtClean="0"/>
+              <a:t>, </a:t>
+            </a:r>
+            <a:r>
+              <a:rPr lang="de-DE" dirty="0" err="1" smtClean="0"/>
+              <a:t>add</a:t>
+            </a:r>
+            <a:r>
+              <a:rPr lang="de-DE" dirty="0" smtClean="0"/>
+              <a:t> a </a:t>
+            </a:r>
+            <a:r>
+              <a:rPr lang="de-DE" dirty="0" err="1" smtClean="0"/>
+              <a:t>softmax</a:t>
+            </a:r>
+            <a:r>
+              <a:rPr lang="de-DE" dirty="0" smtClean="0"/>
+              <a:t> </a:t>
+            </a:r>
+            <a:r>
+              <a:rPr lang="de-DE" dirty="0" err="1" smtClean="0"/>
+              <a:t>layer</a:t>
+            </a:r>
+            <a:r>
+              <a:rPr lang="de-DE" dirty="0" smtClean="0"/>
+              <a:t> for </a:t>
+            </a:r>
+            <a:r>
+              <a:rPr lang="de-DE" dirty="0" err="1" smtClean="0"/>
+              <a:t>your</a:t>
+            </a:r>
+            <a:r>
+              <a:rPr lang="de-DE" dirty="0" smtClean="0"/>
+              <a:t> </a:t>
+            </a:r>
+            <a:r>
+              <a:rPr lang="de-DE" dirty="0" err="1" smtClean="0"/>
+              <a:t>classification</a:t>
+            </a:r>
+            <a:r>
+              <a:rPr lang="de-DE" dirty="0" smtClean="0"/>
+              <a:t> </a:t>
+            </a:r>
+            <a:r>
+              <a:rPr lang="de-DE" dirty="0" err="1" smtClean="0"/>
+              <a:t>task</a:t>
+            </a:r>
+            <a:endParaRPr lang="de-DE" dirty="0" smtClean="0"/>
           </a:p>
           <a:p>
             <a:pPr marL="444500" indent="-285750">
@@ -12190,9 +13388,42 @@
               <a:buChar char="§"/>
             </a:pPr>
             <a:r>
-              <a:rPr lang="de-DE" smtClean="0"/>
-              <a:t>Pretrain this layer using back propagation</a:t>
-            </a:r>
+              <a:rPr lang="de-DE" dirty="0" err="1" smtClean="0"/>
+              <a:t>Pretrain</a:t>
+            </a:r>
+            <a:r>
+              <a:rPr lang="de-DE" dirty="0" smtClean="0"/>
+              <a:t> </a:t>
+            </a:r>
+            <a:r>
+              <a:rPr lang="de-DE" dirty="0" err="1" smtClean="0"/>
+              <a:t>this</a:t>
+            </a:r>
+            <a:r>
+              <a:rPr lang="de-DE" dirty="0" smtClean="0"/>
+              <a:t> </a:t>
+            </a:r>
+            <a:r>
+              <a:rPr lang="de-DE" dirty="0" err="1" smtClean="0"/>
+              <a:t>layer</a:t>
+            </a:r>
+            <a:r>
+              <a:rPr lang="de-DE" dirty="0" smtClean="0"/>
+              <a:t> </a:t>
+            </a:r>
+            <a:r>
+              <a:rPr lang="de-DE" dirty="0" err="1" smtClean="0"/>
+              <a:t>using</a:t>
+            </a:r>
+            <a:r>
+              <a:rPr lang="de-DE" dirty="0" smtClean="0"/>
+              <a:t> back </a:t>
+            </a:r>
+            <a:r>
+              <a:rPr lang="de-DE" dirty="0" err="1" smtClean="0"/>
+              <a:t>propagation</a:t>
+            </a:r>
+            <a:endParaRPr lang="de-DE" dirty="0" smtClean="0"/>
           </a:p>
           <a:p>
             <a:pPr marL="285750" indent="-285750">
@@ -12202,7 +13433,7 @@
               <a:buFont typeface="Wingdings" pitchFamily="2" charset="2"/>
               <a:buChar char="§"/>
             </a:pPr>
-            <a:endParaRPr lang="de-DE" b="1"/>
+            <a:endParaRPr lang="de-DE" b="1" dirty="0"/>
           </a:p>
         </p:txBody>
       </p:sp>
@@ -12218,7 +13449,7 @@
           <a:blip r:embed="rId2">
             <a:extLst>
               <a:ext uri="{28A0092B-C50C-407E-A947-70E740481C1C}">
-                <a14:useLocalDpi xmlns:a14="http://schemas.microsoft.com/office/drawing/2010/main" val="0"/>
+                <a14:useLocalDpi xmlns:a14="http://schemas.microsoft.com/office/drawing/2010/main" xmlns="" val="0"/>
               </a:ext>
             </a:extLst>
           </a:blip>
@@ -12238,7 +13469,7 @@
           <a:noFill/>
           <a:extLst>
             <a:ext uri="{909E8E84-426E-40DD-AFC4-6F175D3DCCD1}">
-              <a14:hiddenFill xmlns:a14="http://schemas.microsoft.com/office/drawing/2010/main">
+              <a14:hiddenFill xmlns:a14="http://schemas.microsoft.com/office/drawing/2010/main" xmlns="">
                 <a:solidFill>
                   <a:srgbClr val="FFFFFF"/>
                 </a:solidFill>
@@ -12301,7 +13532,7 @@
     </p:spTree>
     <p:extLst>
       <p:ext uri="{BB962C8B-B14F-4D97-AF65-F5344CB8AC3E}">
-        <p14:creationId xmlns:p14="http://schemas.microsoft.com/office/powerpoint/2010/main" val="2860689861"/>
+        <p14:creationId xmlns:p14="http://schemas.microsoft.com/office/powerpoint/2010/main" xmlns="" val="2860689861"/>
       </p:ext>
     </p:extLst>
   </p:cSld>
@@ -12505,7 +13736,7 @@
           <a:blip r:embed="rId3">
             <a:extLst>
               <a:ext uri="{28A0092B-C50C-407E-A947-70E740481C1C}">
-                <a14:useLocalDpi xmlns:a14="http://schemas.microsoft.com/office/drawing/2010/main" val="0"/>
+                <a14:useLocalDpi xmlns:a14="http://schemas.microsoft.com/office/drawing/2010/main" xmlns="" val="0"/>
               </a:ext>
             </a:extLst>
           </a:blip>
@@ -12525,7 +13756,7 @@
           <a:noFill/>
           <a:extLst>
             <a:ext uri="{909E8E84-426E-40DD-AFC4-6F175D3DCCD1}">
-              <a14:hiddenFill xmlns:a14="http://schemas.microsoft.com/office/drawing/2010/main">
+              <a14:hiddenFill xmlns:a14="http://schemas.microsoft.com/office/drawing/2010/main" xmlns="">
                 <a:solidFill>
                   <a:srgbClr val="FFFFFF"/>
                 </a:solidFill>
@@ -12550,7 +13781,7 @@
           <a:blip r:embed="rId4" cstate="print">
             <a:extLst>
               <a:ext uri="{28A0092B-C50C-407E-A947-70E740481C1C}">
-                <a14:useLocalDpi xmlns:a14="http://schemas.microsoft.com/office/drawing/2010/main" val="0"/>
+                <a14:useLocalDpi xmlns:a14="http://schemas.microsoft.com/office/drawing/2010/main" xmlns="" val="0"/>
               </a:ext>
             </a:extLst>
           </a:blip>
@@ -12621,7 +13852,7 @@
     </p:spTree>
     <p:extLst>
       <p:ext uri="{BB962C8B-B14F-4D97-AF65-F5344CB8AC3E}">
-        <p14:creationId xmlns:p14="http://schemas.microsoft.com/office/powerpoint/2010/main" val="1582971399"/>
+        <p14:creationId xmlns:p14="http://schemas.microsoft.com/office/powerpoint/2010/main" xmlns="" val="1582971399"/>
       </p:ext>
     </p:extLst>
   </p:cSld>
@@ -12790,7 +14021,7 @@
           <a:blip r:embed="rId2">
             <a:extLst>
               <a:ext uri="{28A0092B-C50C-407E-A947-70E740481C1C}">
-                <a14:useLocalDpi xmlns:a14="http://schemas.microsoft.com/office/drawing/2010/main" val="0"/>
+                <a14:useLocalDpi xmlns:a14="http://schemas.microsoft.com/office/drawing/2010/main" xmlns="" val="0"/>
               </a:ext>
             </a:extLst>
           </a:blip>
@@ -12814,14 +14045,14 @@
           <a:effectLst/>
           <a:extLst>
             <a:ext uri="{909E8E84-426E-40DD-AFC4-6F175D3DCCD1}">
-              <a14:hiddenFill xmlns:a14="http://schemas.microsoft.com/office/drawing/2010/main">
+              <a14:hiddenFill xmlns:a14="http://schemas.microsoft.com/office/drawing/2010/main" xmlns="">
                 <a:solidFill>
                   <a:schemeClr val="accent1"/>
                 </a:solidFill>
               </a14:hiddenFill>
             </a:ext>
             <a:ext uri="{91240B29-F687-4F45-9708-019B960494DF}">
-              <a14:hiddenLine xmlns:a14="http://schemas.microsoft.com/office/drawing/2010/main" w="9525">
+              <a14:hiddenLine xmlns:a14="http://schemas.microsoft.com/office/drawing/2010/main" xmlns="" w="9525">
                 <a:solidFill>
                   <a:schemeClr val="tx1"/>
                 </a:solidFill>
@@ -12831,7 +14062,7 @@
               </a14:hiddenLine>
             </a:ext>
             <a:ext uri="{AF507438-7753-43E0-B8FC-AC1667EBCBE1}">
-              <a14:hiddenEffects xmlns:a14="http://schemas.microsoft.com/office/drawing/2010/main">
+              <a14:hiddenEffects xmlns:a14="http://schemas.microsoft.com/office/drawing/2010/main" xmlns="">
                 <a:effectLst>
                   <a:outerShdw dist="35921" dir="2700000" algn="ctr" rotWithShape="0">
                     <a:schemeClr val="bg2"/>
@@ -12845,7 +14076,7 @@
     </p:spTree>
     <p:extLst>
       <p:ext uri="{BB962C8B-B14F-4D97-AF65-F5344CB8AC3E}">
-        <p14:creationId xmlns:p14="http://schemas.microsoft.com/office/powerpoint/2010/main" val="3411400922"/>
+        <p14:creationId xmlns:p14="http://schemas.microsoft.com/office/powerpoint/2010/main" xmlns="" val="3411400922"/>
       </p:ext>
     </p:extLst>
   </p:cSld>
@@ -13025,13 +14256,20 @@
     </p:spTree>
     <p:extLst>
       <p:ext uri="{BB962C8B-B14F-4D97-AF65-F5344CB8AC3E}">
-        <p14:creationId xmlns:p14="http://schemas.microsoft.com/office/powerpoint/2010/main" val="1532565341"/>
+        <p14:creationId xmlns:p14="http://schemas.microsoft.com/office/powerpoint/2010/main" xmlns="" val="1532565341"/>
       </p:ext>
     </p:extLst>
   </p:cSld>
   <p:clrMapOvr>
     <a:masterClrMapping/>
   </p:clrMapOvr>
+  <p:timing>
+    <p:tnLst>
+      <p:par>
+        <p:cTn id="1" dur="indefinite" restart="never" nodeType="tmRoot"/>
+      </p:par>
+    </p:tnLst>
+  </p:timing>
 </p:sld>
 </file>
 
@@ -13176,15 +14414,7 @@
             </a:r>
             <a:r>
               <a:rPr lang="de-DE" i="1" dirty="0"/>
-              <a:t> </a:t>
-            </a:r>
-            <a:r>
-              <a:rPr lang="de-DE" i="1" dirty="0" err="1"/>
-              <a:t>for</a:t>
-            </a:r>
-            <a:r>
-              <a:rPr lang="de-DE" i="1" dirty="0"/>
-              <a:t> </a:t>
+              <a:t> for </a:t>
             </a:r>
             <a:r>
               <a:rPr lang="de-DE" i="1" dirty="0" err="1"/>
@@ -13238,7 +14468,7 @@
     </p:spTree>
     <p:extLst>
       <p:ext uri="{BB962C8B-B14F-4D97-AF65-F5344CB8AC3E}">
-        <p14:creationId xmlns:p14="http://schemas.microsoft.com/office/powerpoint/2010/main" val="1564248929"/>
+        <p14:creationId xmlns:p14="http://schemas.microsoft.com/office/powerpoint/2010/main" xmlns="" val="1564248929"/>
       </p:ext>
     </p:extLst>
   </p:cSld>
@@ -13356,7 +14586,7 @@
           <a:blip r:embed="rId2">
             <a:extLst>
               <a:ext uri="{28A0092B-C50C-407E-A947-70E740481C1C}">
-                <a14:useLocalDpi xmlns:a14="http://schemas.microsoft.com/office/drawing/2010/main" val="0"/>
+                <a14:useLocalDpi xmlns:a14="http://schemas.microsoft.com/office/drawing/2010/main" xmlns="" val="0"/>
               </a:ext>
             </a:extLst>
           </a:blip>
@@ -13380,14 +14610,14 @@
           <a:effectLst/>
           <a:extLst>
             <a:ext uri="{909E8E84-426E-40DD-AFC4-6F175D3DCCD1}">
-              <a14:hiddenFill xmlns:a14="http://schemas.microsoft.com/office/drawing/2010/main">
+              <a14:hiddenFill xmlns:a14="http://schemas.microsoft.com/office/drawing/2010/main" xmlns="">
                 <a:solidFill>
                   <a:schemeClr val="accent1"/>
                 </a:solidFill>
               </a14:hiddenFill>
             </a:ext>
             <a:ext uri="{91240B29-F687-4F45-9708-019B960494DF}">
-              <a14:hiddenLine xmlns:a14="http://schemas.microsoft.com/office/drawing/2010/main" w="9525">
+              <a14:hiddenLine xmlns:a14="http://schemas.microsoft.com/office/drawing/2010/main" xmlns="" w="9525">
                 <a:solidFill>
                   <a:schemeClr val="tx1"/>
                 </a:solidFill>
@@ -13397,7 +14627,7 @@
               </a14:hiddenLine>
             </a:ext>
             <a:ext uri="{AF507438-7753-43E0-B8FC-AC1667EBCBE1}">
-              <a14:hiddenEffects xmlns:a14="http://schemas.microsoft.com/office/drawing/2010/main">
+              <a14:hiddenEffects xmlns:a14="http://schemas.microsoft.com/office/drawing/2010/main" xmlns="">
                 <a:effectLst>
                   <a:outerShdw dist="35921" dir="2700000" algn="ctr" rotWithShape="0">
                     <a:schemeClr val="bg2"/>
@@ -13458,7 +14688,7 @@
     </p:spTree>
     <p:extLst>
       <p:ext uri="{BB962C8B-B14F-4D97-AF65-F5344CB8AC3E}">
-        <p14:creationId xmlns:p14="http://schemas.microsoft.com/office/powerpoint/2010/main" val="1154673806"/>
+        <p14:creationId xmlns:p14="http://schemas.microsoft.com/office/powerpoint/2010/main" xmlns="" val="1154673806"/>
       </p:ext>
     </p:extLst>
   </p:cSld>
@@ -13790,15 +15020,7 @@
             </a:r>
             <a:r>
               <a:rPr lang="de-DE" dirty="0" smtClean="0"/>
-              <a:t> </a:t>
-            </a:r>
-            <a:r>
-              <a:rPr lang="de-DE" dirty="0" err="1" smtClean="0"/>
-              <a:t>for</a:t>
-            </a:r>
-            <a:r>
-              <a:rPr lang="de-DE" dirty="0" smtClean="0"/>
-              <a:t> </a:t>
+              <a:t> for </a:t>
             </a:r>
             <a:r>
               <a:rPr lang="de-DE" dirty="0" err="1" smtClean="0"/>
@@ -13952,7 +15174,7 @@
           <a:blip r:embed="rId5" cstate="print">
             <a:extLst>
               <a:ext uri="{28A0092B-C50C-407E-A947-70E740481C1C}">
-                <a14:useLocalDpi xmlns:a14="http://schemas.microsoft.com/office/drawing/2010/main" val="0"/>
+                <a14:useLocalDpi xmlns:a14="http://schemas.microsoft.com/office/drawing/2010/main" xmlns="" val="0"/>
               </a:ext>
             </a:extLst>
           </a:blip>
@@ -13986,7 +15208,7 @@
           <a:blip r:embed="rId6" cstate="print">
             <a:extLst>
               <a:ext uri="{28A0092B-C50C-407E-A947-70E740481C1C}">
-                <a14:useLocalDpi xmlns:a14="http://schemas.microsoft.com/office/drawing/2010/main" val="0"/>
+                <a14:useLocalDpi xmlns:a14="http://schemas.microsoft.com/office/drawing/2010/main" xmlns="" val="0"/>
               </a:ext>
             </a:extLst>
           </a:blip>
@@ -14020,7 +15242,7 @@
           <a:blip r:embed="rId7" cstate="print">
             <a:extLst>
               <a:ext uri="{28A0092B-C50C-407E-A947-70E740481C1C}">
-                <a14:useLocalDpi xmlns:a14="http://schemas.microsoft.com/office/drawing/2010/main" val="0"/>
+                <a14:useLocalDpi xmlns:a14="http://schemas.microsoft.com/office/drawing/2010/main" xmlns="" val="0"/>
               </a:ext>
             </a:extLst>
           </a:blip>
@@ -14050,7 +15272,7 @@
           <a:blip r:embed="rId8">
             <a:extLst>
               <a:ext uri="{28A0092B-C50C-407E-A947-70E740481C1C}">
-                <a14:useLocalDpi xmlns:a14="http://schemas.microsoft.com/office/drawing/2010/main" val="0"/>
+                <a14:useLocalDpi xmlns:a14="http://schemas.microsoft.com/office/drawing/2010/main" xmlns="" val="0"/>
               </a:ext>
             </a:extLst>
           </a:blip>
@@ -14072,14 +15294,14 @@
           <a:effectLst/>
           <a:extLst>
             <a:ext uri="{909E8E84-426E-40DD-AFC4-6F175D3DCCD1}">
-              <a14:hiddenFill xmlns:a14="http://schemas.microsoft.com/office/drawing/2010/main">
+              <a14:hiddenFill xmlns:a14="http://schemas.microsoft.com/office/drawing/2010/main" xmlns="">
                 <a:solidFill>
                   <a:schemeClr val="accent1"/>
                 </a:solidFill>
               </a14:hiddenFill>
             </a:ext>
             <a:ext uri="{91240B29-F687-4F45-9708-019B960494DF}">
-              <a14:hiddenLine xmlns:a14="http://schemas.microsoft.com/office/drawing/2010/main" w="9525">
+              <a14:hiddenLine xmlns:a14="http://schemas.microsoft.com/office/drawing/2010/main" xmlns="" w="9525">
                 <a:solidFill>
                   <a:schemeClr val="tx1"/>
                 </a:solidFill>
@@ -14089,7 +15311,7 @@
               </a14:hiddenLine>
             </a:ext>
             <a:ext uri="{AF507438-7753-43E0-B8FC-AC1667EBCBE1}">
-              <a14:hiddenEffects xmlns:a14="http://schemas.microsoft.com/office/drawing/2010/main">
+              <a14:hiddenEffects xmlns:a14="http://schemas.microsoft.com/office/drawing/2010/main" xmlns="">
                 <a:effectLst>
                   <a:outerShdw dist="35921" dir="2700000" algn="ctr" rotWithShape="0">
                     <a:schemeClr val="bg2"/>
@@ -14103,7 +15325,7 @@
     </p:spTree>
     <p:extLst>
       <p:ext uri="{BB962C8B-B14F-4D97-AF65-F5344CB8AC3E}">
-        <p14:creationId xmlns:p14="http://schemas.microsoft.com/office/powerpoint/2010/main" val="4228805743"/>
+        <p14:creationId xmlns:p14="http://schemas.microsoft.com/office/powerpoint/2010/main" xmlns="" val="4228805743"/>
       </p:ext>
     </p:extLst>
   </p:cSld>
@@ -14202,59 +15424,778 @@
           <a:lstStyle/>
           <a:p>
             <a:r>
-              <a:rPr lang="de-DE" smtClean="0"/>
-              <a:t>The previous slides showed a joining of the vectors from right to left</a:t>
-            </a:r>
-          </a:p>
-          <a:p>
-            <a:r>
-              <a:rPr lang="de-DE" smtClean="0"/>
-              <a:t>However, we can define any tree structure for the combination of two vectors, for example a parse tree</a:t>
-            </a:r>
-          </a:p>
-          <a:p>
-            <a:r>
-              <a:rPr lang="de-DE" smtClean="0"/>
-              <a:t>Socher et al. present a greedy approach for the combination of vectors</a:t>
-            </a:r>
+              <a:rPr lang="de-DE" dirty="0" smtClean="0"/>
+              <a:t>The </a:t>
+            </a:r>
+            <a:r>
+              <a:rPr lang="de-DE" dirty="0" err="1" smtClean="0"/>
+              <a:t>previous</a:t>
+            </a:r>
+            <a:r>
+              <a:rPr lang="de-DE" dirty="0" smtClean="0"/>
+              <a:t> </a:t>
+            </a:r>
+            <a:r>
+              <a:rPr lang="de-DE" dirty="0" err="1" smtClean="0"/>
+              <a:t>slides</a:t>
+            </a:r>
+            <a:r>
+              <a:rPr lang="de-DE" dirty="0" smtClean="0"/>
+              <a:t> </a:t>
+            </a:r>
+            <a:r>
+              <a:rPr lang="de-DE" dirty="0" err="1" smtClean="0"/>
+              <a:t>showed</a:t>
+            </a:r>
+            <a:r>
+              <a:rPr lang="de-DE" dirty="0" smtClean="0"/>
+              <a:t> a </a:t>
+            </a:r>
+            <a:r>
+              <a:rPr lang="de-DE" dirty="0" err="1" smtClean="0"/>
+              <a:t>joining</a:t>
+            </a:r>
+            <a:r>
+              <a:rPr lang="de-DE" dirty="0" smtClean="0"/>
+              <a:t> </a:t>
+            </a:r>
+            <a:r>
+              <a:rPr lang="de-DE" dirty="0" err="1" smtClean="0"/>
+              <a:t>of</a:t>
+            </a:r>
+            <a:r>
+              <a:rPr lang="de-DE" dirty="0" smtClean="0"/>
+              <a:t> </a:t>
+            </a:r>
+            <a:r>
+              <a:rPr lang="de-DE" dirty="0" err="1" smtClean="0"/>
+              <a:t>the</a:t>
+            </a:r>
+            <a:r>
+              <a:rPr lang="de-DE" dirty="0" smtClean="0"/>
+              <a:t> </a:t>
+            </a:r>
+            <a:r>
+              <a:rPr lang="de-DE" dirty="0" err="1" smtClean="0"/>
+              <a:t>vectors</a:t>
+            </a:r>
+            <a:r>
+              <a:rPr lang="de-DE" dirty="0" smtClean="0"/>
+              <a:t> </a:t>
+            </a:r>
+            <a:r>
+              <a:rPr lang="de-DE" dirty="0" err="1" smtClean="0"/>
+              <a:t>from</a:t>
+            </a:r>
+            <a:r>
+              <a:rPr lang="de-DE" dirty="0" smtClean="0"/>
+              <a:t> </a:t>
+            </a:r>
+            <a:r>
+              <a:rPr lang="de-DE" dirty="0" err="1" smtClean="0"/>
+              <a:t>right</a:t>
+            </a:r>
+            <a:r>
+              <a:rPr lang="de-DE" dirty="0" smtClean="0"/>
+              <a:t> </a:t>
+            </a:r>
+            <a:r>
+              <a:rPr lang="de-DE" dirty="0" err="1" smtClean="0"/>
+              <a:t>to</a:t>
+            </a:r>
+            <a:r>
+              <a:rPr lang="de-DE" dirty="0" smtClean="0"/>
+              <a:t> </a:t>
+            </a:r>
+            <a:r>
+              <a:rPr lang="de-DE" dirty="0" err="1" smtClean="0"/>
+              <a:t>left</a:t>
+            </a:r>
+            <a:endParaRPr lang="de-DE" dirty="0" smtClean="0"/>
+          </a:p>
+          <a:p>
+            <a:r>
+              <a:rPr lang="de-DE" dirty="0" err="1" smtClean="0"/>
+              <a:t>However</a:t>
+            </a:r>
+            <a:r>
+              <a:rPr lang="de-DE" dirty="0" smtClean="0"/>
+              <a:t>, </a:t>
+            </a:r>
+            <a:r>
+              <a:rPr lang="de-DE" dirty="0" err="1" smtClean="0"/>
+              <a:t>we</a:t>
+            </a:r>
+            <a:r>
+              <a:rPr lang="de-DE" dirty="0" smtClean="0"/>
+              <a:t> </a:t>
+            </a:r>
+            <a:r>
+              <a:rPr lang="de-DE" dirty="0" err="1" smtClean="0"/>
+              <a:t>can</a:t>
+            </a:r>
+            <a:r>
+              <a:rPr lang="de-DE" dirty="0" smtClean="0"/>
+              <a:t> </a:t>
+            </a:r>
+            <a:r>
+              <a:rPr lang="de-DE" dirty="0" err="1" smtClean="0"/>
+              <a:t>define</a:t>
+            </a:r>
+            <a:r>
+              <a:rPr lang="de-DE" dirty="0" smtClean="0"/>
+              <a:t> </a:t>
+            </a:r>
+            <a:r>
+              <a:rPr lang="de-DE" dirty="0" err="1" smtClean="0"/>
+              <a:t>any</a:t>
+            </a:r>
+            <a:r>
+              <a:rPr lang="de-DE" dirty="0" smtClean="0"/>
+              <a:t> </a:t>
+            </a:r>
+            <a:r>
+              <a:rPr lang="de-DE" dirty="0" err="1" smtClean="0"/>
+              <a:t>tree</a:t>
+            </a:r>
+            <a:r>
+              <a:rPr lang="de-DE" dirty="0" smtClean="0"/>
+              <a:t> </a:t>
+            </a:r>
+            <a:r>
+              <a:rPr lang="de-DE" dirty="0" err="1" smtClean="0"/>
+              <a:t>structure</a:t>
+            </a:r>
+            <a:r>
+              <a:rPr lang="de-DE" dirty="0" smtClean="0"/>
+              <a:t> for </a:t>
+            </a:r>
+            <a:r>
+              <a:rPr lang="de-DE" dirty="0" err="1" smtClean="0"/>
+              <a:t>the</a:t>
+            </a:r>
+            <a:r>
+              <a:rPr lang="de-DE" dirty="0" smtClean="0"/>
+              <a:t> </a:t>
+            </a:r>
+            <a:r>
+              <a:rPr lang="de-DE" dirty="0" err="1" smtClean="0"/>
+              <a:t>combination</a:t>
+            </a:r>
+            <a:r>
+              <a:rPr lang="de-DE" dirty="0" smtClean="0"/>
+              <a:t> </a:t>
+            </a:r>
+            <a:r>
+              <a:rPr lang="de-DE" dirty="0" err="1" smtClean="0"/>
+              <a:t>of</a:t>
+            </a:r>
+            <a:r>
+              <a:rPr lang="de-DE" dirty="0" smtClean="0"/>
+              <a:t> </a:t>
+            </a:r>
+            <a:r>
+              <a:rPr lang="de-DE" dirty="0" err="1" smtClean="0"/>
+              <a:t>two</a:t>
+            </a:r>
+            <a:r>
+              <a:rPr lang="de-DE" dirty="0" smtClean="0"/>
+              <a:t> </a:t>
+            </a:r>
+            <a:r>
+              <a:rPr lang="de-DE" dirty="0" err="1" smtClean="0"/>
+              <a:t>vectors</a:t>
+            </a:r>
+            <a:r>
+              <a:rPr lang="de-DE" dirty="0" smtClean="0"/>
+              <a:t>, for </a:t>
+            </a:r>
+            <a:r>
+              <a:rPr lang="de-DE" dirty="0" err="1" smtClean="0"/>
+              <a:t>example</a:t>
+            </a:r>
+            <a:r>
+              <a:rPr lang="de-DE" dirty="0" smtClean="0"/>
+              <a:t> a parse </a:t>
+            </a:r>
+            <a:r>
+              <a:rPr lang="de-DE" dirty="0" err="1" smtClean="0"/>
+              <a:t>tree</a:t>
+            </a:r>
+            <a:endParaRPr lang="de-DE" dirty="0" smtClean="0"/>
+          </a:p>
+          <a:p>
+            <a:r>
+              <a:rPr lang="de-DE" dirty="0" smtClean="0"/>
+              <a:t>Socher et al. </a:t>
+            </a:r>
+            <a:r>
+              <a:rPr lang="de-DE" dirty="0" err="1" smtClean="0"/>
+              <a:t>present</a:t>
+            </a:r>
+            <a:r>
+              <a:rPr lang="de-DE" dirty="0" smtClean="0"/>
+              <a:t> a </a:t>
+            </a:r>
+            <a:r>
+              <a:rPr lang="de-DE" dirty="0" err="1" smtClean="0"/>
+              <a:t>greedy</a:t>
+            </a:r>
+            <a:r>
+              <a:rPr lang="de-DE" dirty="0" smtClean="0"/>
+              <a:t> </a:t>
+            </a:r>
+            <a:r>
+              <a:rPr lang="de-DE" dirty="0" err="1" smtClean="0"/>
+              <a:t>approach</a:t>
+            </a:r>
+            <a:r>
+              <a:rPr lang="de-DE" dirty="0" smtClean="0"/>
+              <a:t> for </a:t>
+            </a:r>
+            <a:r>
+              <a:rPr lang="de-DE" dirty="0" err="1" smtClean="0"/>
+              <a:t>the</a:t>
+            </a:r>
+            <a:r>
+              <a:rPr lang="de-DE" dirty="0" smtClean="0"/>
+              <a:t> </a:t>
+            </a:r>
+            <a:r>
+              <a:rPr lang="de-DE" dirty="0" err="1" smtClean="0"/>
+              <a:t>combination</a:t>
+            </a:r>
+            <a:r>
+              <a:rPr lang="de-DE" dirty="0" smtClean="0"/>
+              <a:t> </a:t>
+            </a:r>
+            <a:r>
+              <a:rPr lang="de-DE" dirty="0" err="1" smtClean="0"/>
+              <a:t>of</a:t>
+            </a:r>
+            <a:r>
+              <a:rPr lang="de-DE" dirty="0" smtClean="0"/>
+              <a:t> </a:t>
+            </a:r>
+            <a:r>
+              <a:rPr lang="de-DE" dirty="0" err="1" smtClean="0"/>
+              <a:t>vectors</a:t>
+            </a:r>
+            <a:endParaRPr lang="de-DE" dirty="0" smtClean="0"/>
           </a:p>
           <a:p>
             <a:pPr lvl="1"/>
             <a:r>
-              <a:rPr lang="de-DE" smtClean="0"/>
-              <a:t>Compute the reconstruction error for all neighboring vectors.</a:t>
+              <a:rPr lang="de-DE" dirty="0" err="1" smtClean="0"/>
+              <a:t>Compute</a:t>
+            </a:r>
+            <a:r>
+              <a:rPr lang="de-DE" dirty="0" smtClean="0"/>
+              <a:t> </a:t>
+            </a:r>
+            <a:r>
+              <a:rPr lang="de-DE" dirty="0" err="1" smtClean="0"/>
+              <a:t>the</a:t>
+            </a:r>
+            <a:r>
+              <a:rPr lang="de-DE" dirty="0" smtClean="0"/>
+              <a:t> </a:t>
+            </a:r>
+            <a:r>
+              <a:rPr lang="de-DE" dirty="0" err="1" smtClean="0"/>
+              <a:t>reconstruction</a:t>
+            </a:r>
+            <a:r>
+              <a:rPr lang="de-DE" dirty="0" smtClean="0"/>
+              <a:t> </a:t>
+            </a:r>
+            <a:r>
+              <a:rPr lang="de-DE" dirty="0" err="1" smtClean="0"/>
+              <a:t>error</a:t>
+            </a:r>
+            <a:r>
+              <a:rPr lang="de-DE" dirty="0" smtClean="0"/>
+              <a:t> for all </a:t>
+            </a:r>
+            <a:r>
+              <a:rPr lang="de-DE" dirty="0" err="1" smtClean="0"/>
+              <a:t>neighboring</a:t>
+            </a:r>
+            <a:r>
+              <a:rPr lang="de-DE" dirty="0" smtClean="0"/>
+              <a:t> </a:t>
+            </a:r>
+            <a:r>
+              <a:rPr lang="de-DE" dirty="0" err="1" smtClean="0"/>
+              <a:t>vectors</a:t>
+            </a:r>
+            <a:r>
+              <a:rPr lang="de-DE" dirty="0" smtClean="0"/>
+              <a:t>.</a:t>
             </a:r>
           </a:p>
           <a:p>
             <a:pPr lvl="1"/>
             <a:r>
-              <a:rPr lang="de-DE" smtClean="0"/>
-              <a:t>The two neighbors with the lowest error are selected and their nodes are replaced by the compressed representation.</a:t>
+              <a:rPr lang="de-DE" dirty="0" smtClean="0"/>
+              <a:t>The </a:t>
+            </a:r>
+            <a:r>
+              <a:rPr lang="de-DE" dirty="0" err="1" smtClean="0"/>
+              <a:t>two</a:t>
+            </a:r>
+            <a:r>
+              <a:rPr lang="de-DE" dirty="0" smtClean="0"/>
+              <a:t> </a:t>
+            </a:r>
+            <a:r>
+              <a:rPr lang="de-DE" dirty="0" err="1" smtClean="0"/>
+              <a:t>neighbors</a:t>
+            </a:r>
+            <a:r>
+              <a:rPr lang="de-DE" dirty="0" smtClean="0"/>
+              <a:t> </a:t>
+            </a:r>
+            <a:r>
+              <a:rPr lang="de-DE" dirty="0" err="1" smtClean="0"/>
+              <a:t>with</a:t>
+            </a:r>
+            <a:r>
+              <a:rPr lang="de-DE" dirty="0" smtClean="0"/>
+              <a:t> </a:t>
+            </a:r>
+            <a:r>
+              <a:rPr lang="de-DE" dirty="0" err="1" smtClean="0"/>
+              <a:t>the</a:t>
+            </a:r>
+            <a:r>
+              <a:rPr lang="de-DE" dirty="0" smtClean="0"/>
+              <a:t> </a:t>
+            </a:r>
+            <a:r>
+              <a:rPr lang="de-DE" dirty="0" err="1" smtClean="0"/>
+              <a:t>lowest</a:t>
+            </a:r>
+            <a:r>
+              <a:rPr lang="de-DE" dirty="0" smtClean="0"/>
+              <a:t> </a:t>
+            </a:r>
+            <a:r>
+              <a:rPr lang="de-DE" dirty="0" err="1" smtClean="0"/>
+              <a:t>error</a:t>
+            </a:r>
+            <a:r>
+              <a:rPr lang="de-DE" dirty="0" smtClean="0"/>
+              <a:t> </a:t>
+            </a:r>
+            <a:r>
+              <a:rPr lang="de-DE" dirty="0" err="1" smtClean="0"/>
+              <a:t>are</a:t>
+            </a:r>
+            <a:r>
+              <a:rPr lang="de-DE" dirty="0" smtClean="0"/>
+              <a:t> </a:t>
+            </a:r>
+            <a:r>
+              <a:rPr lang="de-DE" dirty="0" err="1" smtClean="0"/>
+              <a:t>selected</a:t>
+            </a:r>
+            <a:r>
+              <a:rPr lang="de-DE" dirty="0" smtClean="0"/>
+              <a:t> </a:t>
+            </a:r>
+            <a:r>
+              <a:rPr lang="de-DE" dirty="0" err="1" smtClean="0"/>
+              <a:t>and</a:t>
+            </a:r>
+            <a:r>
+              <a:rPr lang="de-DE" dirty="0" smtClean="0"/>
+              <a:t> </a:t>
+            </a:r>
+            <a:r>
+              <a:rPr lang="de-DE" dirty="0" err="1" smtClean="0"/>
+              <a:t>their</a:t>
+            </a:r>
+            <a:r>
+              <a:rPr lang="de-DE" dirty="0" smtClean="0"/>
+              <a:t> </a:t>
+            </a:r>
+            <a:r>
+              <a:rPr lang="de-DE" dirty="0" err="1" smtClean="0"/>
+              <a:t>nodes</a:t>
+            </a:r>
+            <a:r>
+              <a:rPr lang="de-DE" dirty="0" smtClean="0"/>
+              <a:t> </a:t>
+            </a:r>
+            <a:r>
+              <a:rPr lang="de-DE" dirty="0" err="1" smtClean="0"/>
+              <a:t>are</a:t>
+            </a:r>
+            <a:r>
+              <a:rPr lang="de-DE" dirty="0" smtClean="0"/>
+              <a:t> </a:t>
+            </a:r>
+            <a:r>
+              <a:rPr lang="de-DE" dirty="0" err="1" smtClean="0"/>
+              <a:t>replaced</a:t>
+            </a:r>
+            <a:r>
+              <a:rPr lang="de-DE" dirty="0" smtClean="0"/>
+              <a:t> </a:t>
+            </a:r>
+            <a:r>
+              <a:rPr lang="de-DE" dirty="0" err="1" smtClean="0"/>
+              <a:t>by</a:t>
+            </a:r>
+            <a:r>
+              <a:rPr lang="de-DE" dirty="0" smtClean="0"/>
+              <a:t> </a:t>
+            </a:r>
+            <a:r>
+              <a:rPr lang="de-DE" dirty="0" err="1" smtClean="0"/>
+              <a:t>the</a:t>
+            </a:r>
+            <a:r>
+              <a:rPr lang="de-DE" dirty="0" smtClean="0"/>
+              <a:t> </a:t>
+            </a:r>
+            <a:r>
+              <a:rPr lang="de-DE" dirty="0" err="1" smtClean="0"/>
+              <a:t>compressed</a:t>
+            </a:r>
+            <a:r>
+              <a:rPr lang="de-DE" dirty="0" smtClean="0"/>
+              <a:t> </a:t>
+            </a:r>
+            <a:r>
+              <a:rPr lang="de-DE" dirty="0" err="1" smtClean="0"/>
+              <a:t>representation</a:t>
+            </a:r>
+            <a:r>
+              <a:rPr lang="de-DE" dirty="0" smtClean="0"/>
+              <a:t>.</a:t>
             </a:r>
           </a:p>
           <a:p>
             <a:pPr lvl="1"/>
             <a:r>
-              <a:rPr lang="de-DE" smtClean="0"/>
-              <a:t>Repeat the previous two steps until we end up with a single vector representing the semantics of the sentence</a:t>
-            </a:r>
+              <a:rPr lang="de-DE" dirty="0" smtClean="0"/>
+              <a:t>Repeat </a:t>
+            </a:r>
+            <a:r>
+              <a:rPr lang="de-DE" dirty="0" err="1" smtClean="0"/>
+              <a:t>the</a:t>
+            </a:r>
+            <a:r>
+              <a:rPr lang="de-DE" dirty="0" smtClean="0"/>
+              <a:t> </a:t>
+            </a:r>
+            <a:r>
+              <a:rPr lang="de-DE" dirty="0" err="1" smtClean="0"/>
+              <a:t>previous</a:t>
+            </a:r>
+            <a:r>
+              <a:rPr lang="de-DE" dirty="0" smtClean="0"/>
+              <a:t> </a:t>
+            </a:r>
+            <a:r>
+              <a:rPr lang="de-DE" dirty="0" err="1" smtClean="0"/>
+              <a:t>two</a:t>
+            </a:r>
+            <a:r>
+              <a:rPr lang="de-DE" dirty="0" smtClean="0"/>
+              <a:t> </a:t>
+            </a:r>
+            <a:r>
+              <a:rPr lang="de-DE" dirty="0" err="1" smtClean="0"/>
+              <a:t>steps</a:t>
+            </a:r>
+            <a:r>
+              <a:rPr lang="de-DE" dirty="0" smtClean="0"/>
+              <a:t> </a:t>
+            </a:r>
+            <a:r>
+              <a:rPr lang="de-DE" dirty="0" err="1" smtClean="0"/>
+              <a:t>until</a:t>
+            </a:r>
+            <a:r>
+              <a:rPr lang="de-DE" dirty="0" smtClean="0"/>
+              <a:t> </a:t>
+            </a:r>
+            <a:r>
+              <a:rPr lang="de-DE" dirty="0" err="1" smtClean="0"/>
+              <a:t>we</a:t>
+            </a:r>
+            <a:r>
+              <a:rPr lang="de-DE" dirty="0" smtClean="0"/>
+              <a:t> end </a:t>
+            </a:r>
+            <a:r>
+              <a:rPr lang="de-DE" dirty="0" err="1" smtClean="0"/>
+              <a:t>up</a:t>
+            </a:r>
+            <a:r>
+              <a:rPr lang="de-DE" dirty="0" smtClean="0"/>
+              <a:t> </a:t>
+            </a:r>
+            <a:r>
+              <a:rPr lang="de-DE" dirty="0" err="1" smtClean="0"/>
+              <a:t>with</a:t>
+            </a:r>
+            <a:r>
+              <a:rPr lang="de-DE" dirty="0" smtClean="0"/>
+              <a:t> a </a:t>
+            </a:r>
+            <a:r>
+              <a:rPr lang="de-DE" dirty="0" err="1" smtClean="0"/>
+              <a:t>single</a:t>
+            </a:r>
+            <a:r>
+              <a:rPr lang="de-DE" dirty="0" smtClean="0"/>
+              <a:t> </a:t>
+            </a:r>
+            <a:r>
+              <a:rPr lang="de-DE" dirty="0" err="1" smtClean="0"/>
+              <a:t>vector</a:t>
+            </a:r>
+            <a:r>
+              <a:rPr lang="de-DE" dirty="0" smtClean="0"/>
+              <a:t> </a:t>
+            </a:r>
+            <a:r>
+              <a:rPr lang="de-DE" dirty="0" err="1" smtClean="0"/>
+              <a:t>representing</a:t>
+            </a:r>
+            <a:r>
+              <a:rPr lang="de-DE" dirty="0" smtClean="0"/>
+              <a:t> </a:t>
+            </a:r>
+            <a:r>
+              <a:rPr lang="de-DE" dirty="0" err="1" smtClean="0"/>
+              <a:t>the</a:t>
+            </a:r>
+            <a:r>
+              <a:rPr lang="de-DE" dirty="0" smtClean="0"/>
+              <a:t> </a:t>
+            </a:r>
+            <a:r>
+              <a:rPr lang="de-DE" dirty="0" err="1" smtClean="0"/>
+              <a:t>semantics</a:t>
+            </a:r>
+            <a:r>
+              <a:rPr lang="de-DE" dirty="0" smtClean="0"/>
+              <a:t> </a:t>
+            </a:r>
+            <a:r>
+              <a:rPr lang="de-DE" dirty="0" err="1" smtClean="0"/>
+              <a:t>of</a:t>
+            </a:r>
+            <a:r>
+              <a:rPr lang="de-DE" dirty="0" smtClean="0"/>
+              <a:t> </a:t>
+            </a:r>
+            <a:r>
+              <a:rPr lang="de-DE" dirty="0" err="1" smtClean="0"/>
+              <a:t>the</a:t>
+            </a:r>
+            <a:r>
+              <a:rPr lang="de-DE" dirty="0" smtClean="0"/>
+              <a:t> </a:t>
+            </a:r>
+            <a:r>
+              <a:rPr lang="de-DE" dirty="0" err="1" smtClean="0"/>
+              <a:t>sentence</a:t>
+            </a:r>
+            <a:endParaRPr lang="de-DE" dirty="0" smtClean="0"/>
+          </a:p>
+          <a:p>
+            <a:r>
+              <a:rPr lang="de-DE" dirty="0" smtClean="0"/>
+              <a:t>A different, </a:t>
+            </a:r>
+            <a:r>
+              <a:rPr lang="de-DE" dirty="0" err="1" smtClean="0"/>
+              <a:t>more</a:t>
+            </a:r>
+            <a:r>
+              <a:rPr lang="de-DE" dirty="0" smtClean="0"/>
+              <a:t> </a:t>
+            </a:r>
+            <a:r>
+              <a:rPr lang="de-DE" dirty="0" err="1" smtClean="0"/>
+              <a:t>recent</a:t>
+            </a:r>
+            <a:r>
+              <a:rPr lang="de-DE" dirty="0" smtClean="0"/>
+              <a:t> </a:t>
+            </a:r>
+            <a:r>
+              <a:rPr lang="de-DE" dirty="0" err="1" smtClean="0"/>
+              <a:t>approach</a:t>
+            </a:r>
+            <a:r>
+              <a:rPr lang="de-DE" dirty="0" smtClean="0"/>
+              <a:t>, </a:t>
+            </a:r>
+            <a:r>
+              <a:rPr lang="de-DE" dirty="0" err="1" smtClean="0"/>
+              <a:t>is</a:t>
+            </a:r>
+            <a:r>
+              <a:rPr lang="de-DE" dirty="0" smtClean="0"/>
+              <a:t> </a:t>
+            </a:r>
+            <a:r>
+              <a:rPr lang="de-DE" dirty="0" err="1" smtClean="0"/>
+              <a:t>to</a:t>
+            </a:r>
+            <a:r>
+              <a:rPr lang="de-DE" dirty="0" smtClean="0"/>
+              <a:t> </a:t>
+            </a:r>
+            <a:r>
+              <a:rPr lang="de-DE" dirty="0" err="1" smtClean="0"/>
+              <a:t>use</a:t>
+            </a:r>
+            <a:r>
+              <a:rPr lang="de-DE" dirty="0" smtClean="0"/>
+              <a:t> parse </a:t>
+            </a:r>
+            <a:r>
+              <a:rPr lang="de-DE" dirty="0" err="1" smtClean="0"/>
+              <a:t>trees</a:t>
+            </a:r>
+            <a:endParaRPr lang="de-DE" dirty="0" smtClean="0"/>
           </a:p>
           <a:p>
             <a:pPr lvl="1"/>
-            <a:endParaRPr lang="de-DE"/>
-          </a:p>
-          <a:p>
-            <a:r>
-              <a:rPr lang="de-DE" smtClean="0"/>
-              <a:t>The output of the recursive autoencoder can be used for a classification task by adding a final softmax layer:</a:t>
-            </a:r>
-          </a:p>
-          <a:p>
-            <a:endParaRPr lang="de-DE" smtClean="0"/>
+            <a:endParaRPr lang="de-DE" dirty="0"/>
+          </a:p>
+          <a:p>
+            <a:r>
+              <a:rPr lang="de-DE" dirty="0" smtClean="0"/>
+              <a:t>The </a:t>
+            </a:r>
+            <a:r>
+              <a:rPr lang="de-DE" dirty="0" err="1" smtClean="0"/>
+              <a:t>output</a:t>
+            </a:r>
+            <a:r>
+              <a:rPr lang="de-DE" dirty="0" smtClean="0"/>
+              <a:t> </a:t>
+            </a:r>
+            <a:r>
+              <a:rPr lang="de-DE" dirty="0" err="1" smtClean="0"/>
+              <a:t>of</a:t>
+            </a:r>
+            <a:r>
+              <a:rPr lang="de-DE" dirty="0" smtClean="0"/>
+              <a:t> </a:t>
+            </a:r>
+            <a:r>
+              <a:rPr lang="de-DE" dirty="0" err="1" smtClean="0"/>
+              <a:t>the</a:t>
+            </a:r>
+            <a:r>
+              <a:rPr lang="de-DE" dirty="0" smtClean="0"/>
+              <a:t> </a:t>
+            </a:r>
+            <a:r>
+              <a:rPr lang="de-DE" dirty="0" err="1" smtClean="0"/>
+              <a:t>recursive</a:t>
+            </a:r>
+            <a:r>
+              <a:rPr lang="de-DE" dirty="0" smtClean="0"/>
+              <a:t> </a:t>
+            </a:r>
+            <a:r>
+              <a:rPr lang="de-DE" dirty="0" err="1" smtClean="0"/>
+              <a:t>autoencoder</a:t>
+            </a:r>
+            <a:r>
+              <a:rPr lang="de-DE" dirty="0" smtClean="0"/>
+              <a:t> </a:t>
+            </a:r>
+            <a:r>
+              <a:rPr lang="de-DE" dirty="0" err="1" smtClean="0"/>
+              <a:t>can</a:t>
+            </a:r>
+            <a:r>
+              <a:rPr lang="de-DE" dirty="0" smtClean="0"/>
+              <a:t> </a:t>
+            </a:r>
+            <a:r>
+              <a:rPr lang="de-DE" dirty="0" err="1" smtClean="0"/>
+              <a:t>be</a:t>
+            </a:r>
+            <a:r>
+              <a:rPr lang="de-DE" dirty="0" smtClean="0"/>
+              <a:t> </a:t>
+            </a:r>
+            <a:r>
+              <a:rPr lang="de-DE" dirty="0" err="1" smtClean="0"/>
+              <a:t>used</a:t>
+            </a:r>
+            <a:r>
+              <a:rPr lang="de-DE" dirty="0" smtClean="0"/>
+              <a:t> for a </a:t>
+            </a:r>
+            <a:r>
+              <a:rPr lang="de-DE" dirty="0" err="1" smtClean="0"/>
+              <a:t>classification</a:t>
+            </a:r>
+            <a:r>
+              <a:rPr lang="de-DE" dirty="0" smtClean="0"/>
+              <a:t> </a:t>
+            </a:r>
+            <a:r>
+              <a:rPr lang="de-DE" dirty="0" err="1" smtClean="0"/>
+              <a:t>task</a:t>
+            </a:r>
+            <a:r>
+              <a:rPr lang="de-DE" dirty="0" smtClean="0"/>
+              <a:t> </a:t>
+            </a:r>
+            <a:r>
+              <a:rPr lang="de-DE" dirty="0" err="1" smtClean="0"/>
+              <a:t>by</a:t>
+            </a:r>
+            <a:r>
+              <a:rPr lang="de-DE" dirty="0" smtClean="0"/>
+              <a:t> </a:t>
+            </a:r>
+            <a:r>
+              <a:rPr lang="de-DE" dirty="0" err="1" smtClean="0"/>
+              <a:t>adding</a:t>
+            </a:r>
+            <a:r>
+              <a:rPr lang="de-DE" dirty="0" smtClean="0"/>
+              <a:t> a final </a:t>
+            </a:r>
+            <a:r>
+              <a:rPr lang="de-DE" dirty="0" err="1" smtClean="0"/>
+              <a:t>softmax</a:t>
+            </a:r>
+            <a:r>
+              <a:rPr lang="de-DE" dirty="0" smtClean="0"/>
+              <a:t> </a:t>
+            </a:r>
+            <a:r>
+              <a:rPr lang="de-DE" dirty="0" err="1" smtClean="0"/>
+              <a:t>layer</a:t>
+            </a:r>
+            <a:r>
+              <a:rPr lang="de-DE" dirty="0" smtClean="0"/>
+              <a:t>:</a:t>
+            </a:r>
+          </a:p>
+          <a:p>
+            <a:endParaRPr lang="de-DE" dirty="0" smtClean="0"/>
           </a:p>
           <a:p>
             <a:pPr lvl="1"/>
-            <a:endParaRPr lang="de-DE"/>
+            <a:endParaRPr lang="de-DE" dirty="0"/>
           </a:p>
         </p:txBody>
       </p:sp>
@@ -14274,7 +16215,7 @@
           <a:blip r:embed="rId3" cstate="print">
             <a:extLst>
               <a:ext uri="{28A0092B-C50C-407E-A947-70E740481C1C}">
-                <a14:useLocalDpi xmlns:a14="http://schemas.microsoft.com/office/drawing/2010/main" val="0"/>
+                <a14:useLocalDpi xmlns:a14="http://schemas.microsoft.com/office/drawing/2010/main" xmlns="" val="0"/>
               </a:ext>
             </a:extLst>
           </a:blip>
@@ -14284,7 +16225,7 @@
         </p:blipFill>
         <p:spPr>
           <a:xfrm>
-            <a:off x="3276600" y="5791200"/>
+            <a:off x="3276600" y="6110878"/>
             <a:ext cx="2481804" cy="270450"/>
           </a:xfrm>
           <a:prstGeom prst="rect">
@@ -14295,7 +16236,7 @@
     </p:spTree>
     <p:extLst>
       <p:ext uri="{BB962C8B-B14F-4D97-AF65-F5344CB8AC3E}">
-        <p14:creationId xmlns:p14="http://schemas.microsoft.com/office/powerpoint/2010/main" val="3867527138"/>
+        <p14:creationId xmlns:p14="http://schemas.microsoft.com/office/powerpoint/2010/main" xmlns="" val="3867527138"/>
       </p:ext>
     </p:extLst>
   </p:cSld>
@@ -14465,7 +16406,7 @@
           <a:blip r:embed="rId2">
             <a:extLst>
               <a:ext uri="{28A0092B-C50C-407E-A947-70E740481C1C}">
-                <a14:useLocalDpi xmlns:a14="http://schemas.microsoft.com/office/drawing/2010/main" val="0"/>
+                <a14:useLocalDpi xmlns:a14="http://schemas.microsoft.com/office/drawing/2010/main" xmlns="" val="0"/>
               </a:ext>
             </a:extLst>
           </a:blip>
@@ -14489,14 +16430,14 @@
           <a:effectLst/>
           <a:extLst>
             <a:ext uri="{909E8E84-426E-40DD-AFC4-6F175D3DCCD1}">
-              <a14:hiddenFill xmlns:a14="http://schemas.microsoft.com/office/drawing/2010/main">
+              <a14:hiddenFill xmlns:a14="http://schemas.microsoft.com/office/drawing/2010/main" xmlns="">
                 <a:solidFill>
                   <a:schemeClr val="accent1"/>
                 </a:solidFill>
               </a14:hiddenFill>
             </a:ext>
             <a:ext uri="{91240B29-F687-4F45-9708-019B960494DF}">
-              <a14:hiddenLine xmlns:a14="http://schemas.microsoft.com/office/drawing/2010/main" w="9525">
+              <a14:hiddenLine xmlns:a14="http://schemas.microsoft.com/office/drawing/2010/main" xmlns="" w="9525">
                 <a:solidFill>
                   <a:schemeClr val="tx1"/>
                 </a:solidFill>
@@ -14506,7 +16447,7 @@
               </a14:hiddenLine>
             </a:ext>
             <a:ext uri="{AF507438-7753-43E0-B8FC-AC1667EBCBE1}">
-              <a14:hiddenEffects xmlns:a14="http://schemas.microsoft.com/office/drawing/2010/main">
+              <a14:hiddenEffects xmlns:a14="http://schemas.microsoft.com/office/drawing/2010/main" xmlns="">
                 <a:effectLst>
                   <a:outerShdw dist="35921" dir="2700000" algn="ctr" rotWithShape="0">
                     <a:schemeClr val="bg2"/>
@@ -14529,7 +16470,7 @@
           <a:blip r:embed="rId3">
             <a:extLst>
               <a:ext uri="{28A0092B-C50C-407E-A947-70E740481C1C}">
-                <a14:useLocalDpi xmlns:a14="http://schemas.microsoft.com/office/drawing/2010/main" val="0"/>
+                <a14:useLocalDpi xmlns:a14="http://schemas.microsoft.com/office/drawing/2010/main" xmlns="" val="0"/>
               </a:ext>
             </a:extLst>
           </a:blip>
@@ -14553,14 +16494,14 @@
           <a:effectLst/>
           <a:extLst>
             <a:ext uri="{909E8E84-426E-40DD-AFC4-6F175D3DCCD1}">
-              <a14:hiddenFill xmlns:a14="http://schemas.microsoft.com/office/drawing/2010/main">
+              <a14:hiddenFill xmlns:a14="http://schemas.microsoft.com/office/drawing/2010/main" xmlns="">
                 <a:solidFill>
                   <a:schemeClr val="accent1"/>
                 </a:solidFill>
               </a14:hiddenFill>
             </a:ext>
             <a:ext uri="{91240B29-F687-4F45-9708-019B960494DF}">
-              <a14:hiddenLine xmlns:a14="http://schemas.microsoft.com/office/drawing/2010/main" w="9525">
+              <a14:hiddenLine xmlns:a14="http://schemas.microsoft.com/office/drawing/2010/main" xmlns="" w="9525">
                 <a:solidFill>
                   <a:schemeClr val="tx1"/>
                 </a:solidFill>
@@ -14570,7 +16511,7 @@
               </a14:hiddenLine>
             </a:ext>
             <a:ext uri="{AF507438-7753-43E0-B8FC-AC1667EBCBE1}">
-              <a14:hiddenEffects xmlns:a14="http://schemas.microsoft.com/office/drawing/2010/main">
+              <a14:hiddenEffects xmlns:a14="http://schemas.microsoft.com/office/drawing/2010/main" xmlns="">
                 <a:effectLst>
                   <a:outerShdw dist="35921" dir="2700000" algn="ctr" rotWithShape="0">
                     <a:schemeClr val="bg2"/>
@@ -14593,7 +16534,7 @@
           <a:blip r:embed="rId4">
             <a:extLst>
               <a:ext uri="{28A0092B-C50C-407E-A947-70E740481C1C}">
-                <a14:useLocalDpi xmlns:a14="http://schemas.microsoft.com/office/drawing/2010/main" val="0"/>
+                <a14:useLocalDpi xmlns:a14="http://schemas.microsoft.com/office/drawing/2010/main" xmlns="" val="0"/>
               </a:ext>
             </a:extLst>
           </a:blip>
@@ -14617,14 +16558,14 @@
           <a:effectLst/>
           <a:extLst>
             <a:ext uri="{909E8E84-426E-40DD-AFC4-6F175D3DCCD1}">
-              <a14:hiddenFill xmlns:a14="http://schemas.microsoft.com/office/drawing/2010/main">
+              <a14:hiddenFill xmlns:a14="http://schemas.microsoft.com/office/drawing/2010/main" xmlns="">
                 <a:solidFill>
                   <a:schemeClr val="accent1"/>
                 </a:solidFill>
               </a14:hiddenFill>
             </a:ext>
             <a:ext uri="{91240B29-F687-4F45-9708-019B960494DF}">
-              <a14:hiddenLine xmlns:a14="http://schemas.microsoft.com/office/drawing/2010/main" w="9525">
+              <a14:hiddenLine xmlns:a14="http://schemas.microsoft.com/office/drawing/2010/main" xmlns="" w="9525">
                 <a:solidFill>
                   <a:schemeClr val="tx1"/>
                 </a:solidFill>
@@ -14634,7 +16575,7 @@
               </a14:hiddenLine>
             </a:ext>
             <a:ext uri="{AF507438-7753-43E0-B8FC-AC1667EBCBE1}">
-              <a14:hiddenEffects xmlns:a14="http://schemas.microsoft.com/office/drawing/2010/main">
+              <a14:hiddenEffects xmlns:a14="http://schemas.microsoft.com/office/drawing/2010/main" xmlns="">
                 <a:effectLst>
                   <a:outerShdw dist="35921" dir="2700000" algn="ctr" rotWithShape="0">
                     <a:schemeClr val="bg2"/>
@@ -14843,7 +16784,7 @@
           <a:blip r:embed="rId5" cstate="print">
             <a:extLst>
               <a:ext uri="{28A0092B-C50C-407E-A947-70E740481C1C}">
-                <a14:useLocalDpi xmlns:a14="http://schemas.microsoft.com/office/drawing/2010/main" val="0"/>
+                <a14:useLocalDpi xmlns:a14="http://schemas.microsoft.com/office/drawing/2010/main" xmlns="" val="0"/>
               </a:ext>
             </a:extLst>
           </a:blip>
@@ -14863,7 +16804,7 @@
           <a:noFill/>
           <a:extLst>
             <a:ext uri="{909E8E84-426E-40DD-AFC4-6F175D3DCCD1}">
-              <a14:hiddenFill xmlns:a14="http://schemas.microsoft.com/office/drawing/2010/main">
+              <a14:hiddenFill xmlns:a14="http://schemas.microsoft.com/office/drawing/2010/main" xmlns="">
                 <a:solidFill>
                   <a:srgbClr val="FFFFFF"/>
                 </a:solidFill>
@@ -15841,12 +17782,8 @@
           <a:p>
             <a:pPr marL="0" lvl="1" algn="ctr"/>
             <a:r>
-              <a:rPr lang="de-DE" dirty="0" err="1" smtClean="0"/>
-              <a:t>For</a:t>
-            </a:r>
-            <a:r>
-              <a:rPr lang="de-DE" dirty="0" smtClean="0"/>
-              <a:t> </a:t>
+              <a:rPr lang="de-DE" dirty="0" smtClean="0"/>
+              <a:t>For </a:t>
             </a:r>
             <a:r>
               <a:rPr lang="de-DE" dirty="0" err="1" smtClean="0"/>
@@ -15889,13 +17826,20 @@
     </p:spTree>
     <p:extLst>
       <p:ext uri="{BB962C8B-B14F-4D97-AF65-F5344CB8AC3E}">
-        <p14:creationId xmlns:p14="http://schemas.microsoft.com/office/powerpoint/2010/main" val="3960123660"/>
+        <p14:creationId xmlns:p14="http://schemas.microsoft.com/office/powerpoint/2010/main" xmlns="" val="3960123660"/>
       </p:ext>
     </p:extLst>
   </p:cSld>
   <p:clrMapOvr>
     <a:masterClrMapping/>
   </p:clrMapOvr>
+  <p:timing>
+    <p:tnLst>
+      <p:par>
+        <p:cTn id="1" dur="indefinite" restart="never" nodeType="tmRoot"/>
+      </p:par>
+    </p:tnLst>
+  </p:timing>
 </p:sld>
 </file>
 
@@ -16054,13 +17998,20 @@
     </p:spTree>
     <p:extLst>
       <p:ext uri="{BB962C8B-B14F-4D97-AF65-F5344CB8AC3E}">
-        <p14:creationId xmlns:p14="http://schemas.microsoft.com/office/powerpoint/2010/main" val="1810631436"/>
+        <p14:creationId xmlns:p14="http://schemas.microsoft.com/office/powerpoint/2010/main" xmlns="" val="1810631436"/>
       </p:ext>
     </p:extLst>
   </p:cSld>
   <p:clrMapOvr>
     <a:masterClrMapping/>
   </p:clrMapOvr>
+  <p:timing>
+    <p:tnLst>
+      <p:par>
+        <p:cTn id="1" dur="indefinite" restart="never" nodeType="tmRoot"/>
+      </p:par>
+    </p:tnLst>
+  </p:timing>
 </p:sld>
 </file>
 
@@ -16209,13 +18160,20 @@
     </p:spTree>
     <p:extLst>
       <p:ext uri="{BB962C8B-B14F-4D97-AF65-F5344CB8AC3E}">
-        <p14:creationId xmlns:p14="http://schemas.microsoft.com/office/powerpoint/2010/main" val="3466881317"/>
+        <p14:creationId xmlns:p14="http://schemas.microsoft.com/office/powerpoint/2010/main" xmlns="" val="3466881317"/>
       </p:ext>
     </p:extLst>
   </p:cSld>
   <p:clrMapOvr>
     <a:masterClrMapping/>
   </p:clrMapOvr>
+  <p:timing>
+    <p:tnLst>
+      <p:par>
+        <p:cTn id="1" dur="indefinite" restart="never" nodeType="tmRoot"/>
+      </p:par>
+    </p:tnLst>
+  </p:timing>
 </p:sld>
 </file>
 
@@ -16293,7 +18251,7 @@
         </p:nvSpPr>
         <p:spPr>
           <a:xfrm>
-            <a:off x="4211960" y="6145559"/>
+            <a:off x="4211960" y="6217567"/>
             <a:ext cx="4572000" cy="307777"/>
           </a:xfrm>
           <a:prstGeom prst="rect">
@@ -16327,7 +18285,7 @@
           <a:blip r:embed="rId2">
             <a:extLst>
               <a:ext uri="{28A0092B-C50C-407E-A947-70E740481C1C}">
-                <a14:useLocalDpi xmlns:a14="http://schemas.microsoft.com/office/drawing/2010/main" val="0"/>
+                <a14:useLocalDpi xmlns:a14="http://schemas.microsoft.com/office/drawing/2010/main" xmlns="" val="0"/>
               </a:ext>
             </a:extLst>
           </a:blip>
@@ -16347,7 +18305,7 @@
           <a:noFill/>
           <a:extLst>
             <a:ext uri="{909E8E84-426E-40DD-AFC4-6F175D3DCCD1}">
-              <a14:hiddenFill xmlns:a14="http://schemas.microsoft.com/office/drawing/2010/main">
+              <a14:hiddenFill xmlns:a14="http://schemas.microsoft.com/office/drawing/2010/main" xmlns="">
                 <a:solidFill>
                   <a:srgbClr val="FFFFFF"/>
                 </a:solidFill>
@@ -16427,13 +18385,20 @@
     </p:spTree>
     <p:extLst>
       <p:ext uri="{BB962C8B-B14F-4D97-AF65-F5344CB8AC3E}">
-        <p14:creationId xmlns:p14="http://schemas.microsoft.com/office/powerpoint/2010/main" val="3742525634"/>
+        <p14:creationId xmlns:p14="http://schemas.microsoft.com/office/powerpoint/2010/main" xmlns="" val="3742525634"/>
       </p:ext>
     </p:extLst>
   </p:cSld>
   <p:clrMapOvr>
     <a:masterClrMapping/>
   </p:clrMapOvr>
+  <p:timing>
+    <p:tnLst>
+      <p:par>
+        <p:cTn id="1" dur="indefinite" restart="never" nodeType="tmRoot"/>
+      </p:par>
+    </p:tnLst>
+  </p:timing>
 </p:sld>
 </file>
 
@@ -16603,13 +18568,20 @@
     </p:spTree>
     <p:extLst>
       <p:ext uri="{BB962C8B-B14F-4D97-AF65-F5344CB8AC3E}">
-        <p14:creationId xmlns:p14="http://schemas.microsoft.com/office/powerpoint/2010/main" val="919171908"/>
+        <p14:creationId xmlns:p14="http://schemas.microsoft.com/office/powerpoint/2010/main" xmlns="" val="919171908"/>
       </p:ext>
     </p:extLst>
   </p:cSld>
   <p:clrMapOvr>
     <a:masterClrMapping/>
   </p:clrMapOvr>
+  <p:timing>
+    <p:tnLst>
+      <p:par>
+        <p:cTn id="1" dur="indefinite" restart="never" nodeType="tmRoot"/>
+      </p:par>
+    </p:tnLst>
+  </p:timing>
 </p:sld>
 </file>
 
@@ -16713,7 +18685,7 @@
           <a:p>
             <a:r>
               <a:rPr lang="en-US" dirty="0" smtClean="0"/>
-              <a:t>Instead: Use all hidden units and half their outgoing weights</a:t>
+              <a:t>Instead: Use all hidden units and half their outgoing weights </a:t>
             </a:r>
           </a:p>
           <a:p>
@@ -16733,6 +18705,13 @@
             <a:r>
               <a:rPr lang="en-US" dirty="0" smtClean="0"/>
               <a:t> models</a:t>
+            </a:r>
+          </a:p>
+          <a:p>
+            <a:pPr lvl="1"/>
+            <a:r>
+              <a:rPr lang="en-US" dirty="0" smtClean="0"/>
+              <a:t>We can use other dropout rates than p=0.5. At test time, multiply weights by 1-p</a:t>
             </a:r>
           </a:p>
           <a:p>
@@ -16809,13 +18788,20 @@
     </p:spTree>
     <p:extLst>
       <p:ext uri="{BB962C8B-B14F-4D97-AF65-F5344CB8AC3E}">
-        <p14:creationId xmlns:p14="http://schemas.microsoft.com/office/powerpoint/2010/main" val="1095784197"/>
+        <p14:creationId xmlns:p14="http://schemas.microsoft.com/office/powerpoint/2010/main" xmlns="" val="1095784197"/>
       </p:ext>
     </p:extLst>
   </p:cSld>
   <p:clrMapOvr>
     <a:masterClrMapping/>
   </p:clrMapOvr>
+  <p:timing>
+    <p:tnLst>
+      <p:par>
+        <p:cTn id="1" dur="indefinite" restart="never" nodeType="tmRoot"/>
+      </p:par>
+    </p:tnLst>
+  </p:timing>
 </p:sld>
 </file>
 
@@ -17007,6 +18993,13 @@
   <p:clrMapOvr>
     <a:masterClrMapping/>
   </p:clrMapOvr>
+  <p:timing>
+    <p:tnLst>
+      <p:par>
+        <p:cTn id="1" dur="indefinite" restart="never" nodeType="tmRoot"/>
+      </p:par>
+    </p:tnLst>
+  </p:timing>
 </p:sld>
 </file>
 
@@ -17149,13 +19142,20 @@
     </p:spTree>
     <p:extLst>
       <p:ext uri="{BB962C8B-B14F-4D97-AF65-F5344CB8AC3E}">
-        <p14:creationId xmlns:p14="http://schemas.microsoft.com/office/powerpoint/2010/main" val="1183640733"/>
+        <p14:creationId xmlns:p14="http://schemas.microsoft.com/office/powerpoint/2010/main" xmlns="" val="1183640733"/>
       </p:ext>
     </p:extLst>
   </p:cSld>
   <p:clrMapOvr>
     <a:masterClrMapping/>
   </p:clrMapOvr>
+  <p:timing>
+    <p:tnLst>
+      <p:par>
+        <p:cTn id="1" dur="indefinite" restart="never" nodeType="tmRoot"/>
+      </p:par>
+    </p:tnLst>
+  </p:timing>
 </p:sld>
 </file>
 
@@ -17279,7 +19279,7 @@
             <a:pPr lvl="1"/>
             <a:r>
               <a:rPr lang="en-US" sz="2000" dirty="0" smtClean="0"/>
-              <a:t>It still tries to be from its co-workers</a:t>
+              <a:t>It still tries to be different from its co-workers</a:t>
             </a:r>
           </a:p>
           <a:p>
@@ -17291,13 +19291,20 @@
     </p:spTree>
     <p:extLst>
       <p:ext uri="{BB962C8B-B14F-4D97-AF65-F5344CB8AC3E}">
-        <p14:creationId xmlns:p14="http://schemas.microsoft.com/office/powerpoint/2010/main" val="2926232128"/>
+        <p14:creationId xmlns:p14="http://schemas.microsoft.com/office/powerpoint/2010/main" xmlns="" val="2926232128"/>
       </p:ext>
     </p:extLst>
   </p:cSld>
   <p:clrMapOvr>
     <a:masterClrMapping/>
   </p:clrMapOvr>
+  <p:timing>
+    <p:tnLst>
+      <p:par>
+        <p:cTn id="1" dur="indefinite" restart="never" nodeType="tmRoot"/>
+      </p:par>
+    </p:tnLst>
+  </p:timing>
 </p:sld>
 </file>
 
@@ -17384,15 +19391,7 @@
           <a:p>
             <a:r>
               <a:rPr lang="en-US" dirty="0" smtClean="0"/>
-              <a:t>How to use a feed forward network </a:t>
-            </a:r>
-            <a:r>
-              <a:rPr lang="en-US" dirty="0" smtClean="0"/>
-              <a:t>for </a:t>
-            </a:r>
-            <a:r>
-              <a:rPr lang="en-US" dirty="0" smtClean="0"/>
-              <a:t>coreference resolution?</a:t>
+              <a:t>How to use a feed forward network for coreference resolution?</a:t>
             </a:r>
           </a:p>
           <a:p>
@@ -17407,7 +19406,7 @@
     </p:spTree>
     <p:extLst>
       <p:ext uri="{BB962C8B-B14F-4D97-AF65-F5344CB8AC3E}">
-        <p14:creationId xmlns:p14="http://schemas.microsoft.com/office/powerpoint/2010/main" val="834199048"/>
+        <p14:creationId xmlns:p14="http://schemas.microsoft.com/office/powerpoint/2010/main" xmlns="" val="834199048"/>
       </p:ext>
     </p:extLst>
   </p:cSld>
@@ -17532,7 +19531,7 @@
           <a:blip r:embed="rId2">
             <a:extLst>
               <a:ext uri="{28A0092B-C50C-407E-A947-70E740481C1C}">
-                <a14:useLocalDpi xmlns:a14="http://schemas.microsoft.com/office/drawing/2010/main" val="0"/>
+                <a14:useLocalDpi xmlns:a14="http://schemas.microsoft.com/office/drawing/2010/main" xmlns="" val="0"/>
               </a:ext>
             </a:extLst>
           </a:blip>
@@ -17556,14 +19555,14 @@
           <a:effectLst/>
           <a:extLst>
             <a:ext uri="{909E8E84-426E-40DD-AFC4-6F175D3DCCD1}">
-              <a14:hiddenFill xmlns:a14="http://schemas.microsoft.com/office/drawing/2010/main">
+              <a14:hiddenFill xmlns:a14="http://schemas.microsoft.com/office/drawing/2010/main" xmlns="">
                 <a:solidFill>
                   <a:schemeClr val="accent1"/>
                 </a:solidFill>
               </a14:hiddenFill>
             </a:ext>
             <a:ext uri="{91240B29-F687-4F45-9708-019B960494DF}">
-              <a14:hiddenLine xmlns:a14="http://schemas.microsoft.com/office/drawing/2010/main" w="9525">
+              <a14:hiddenLine xmlns:a14="http://schemas.microsoft.com/office/drawing/2010/main" xmlns="" w="9525">
                 <a:solidFill>
                   <a:schemeClr val="tx1"/>
                 </a:solidFill>
@@ -17573,7 +19572,7 @@
               </a14:hiddenLine>
             </a:ext>
             <a:ext uri="{AF507438-7753-43E0-B8FC-AC1667EBCBE1}">
-              <a14:hiddenEffects xmlns:a14="http://schemas.microsoft.com/office/drawing/2010/main">
+              <a14:hiddenEffects xmlns:a14="http://schemas.microsoft.com/office/drawing/2010/main" xmlns="">
                 <a:effectLst>
                   <a:outerShdw dist="35921" dir="2700000" algn="ctr" rotWithShape="0">
                     <a:schemeClr val="bg2"/>
@@ -17587,7 +19586,7 @@
     </p:spTree>
     <p:extLst>
       <p:ext uri="{BB962C8B-B14F-4D97-AF65-F5344CB8AC3E}">
-        <p14:creationId xmlns:p14="http://schemas.microsoft.com/office/powerpoint/2010/main" val="1528218501"/>
+        <p14:creationId xmlns:p14="http://schemas.microsoft.com/office/powerpoint/2010/main" xmlns="" val="1528218501"/>
       </p:ext>
     </p:extLst>
   </p:cSld>
@@ -17682,7 +19681,7 @@
           <a:blip r:embed="rId2">
             <a:extLst>
               <a:ext uri="{28A0092B-C50C-407E-A947-70E740481C1C}">
-                <a14:useLocalDpi xmlns:a14="http://schemas.microsoft.com/office/drawing/2010/main" val="0"/>
+                <a14:useLocalDpi xmlns:a14="http://schemas.microsoft.com/office/drawing/2010/main" xmlns="" val="0"/>
               </a:ext>
             </a:extLst>
           </a:blip>
@@ -17706,14 +19705,14 @@
           <a:effectLst/>
           <a:extLst>
             <a:ext uri="{909E8E84-426E-40DD-AFC4-6F175D3DCCD1}">
-              <a14:hiddenFill xmlns:a14="http://schemas.microsoft.com/office/drawing/2010/main">
+              <a14:hiddenFill xmlns:a14="http://schemas.microsoft.com/office/drawing/2010/main" xmlns="">
                 <a:solidFill>
                   <a:schemeClr val="accent1"/>
                 </a:solidFill>
               </a14:hiddenFill>
             </a:ext>
             <a:ext uri="{91240B29-F687-4F45-9708-019B960494DF}">
-              <a14:hiddenLine xmlns:a14="http://schemas.microsoft.com/office/drawing/2010/main" w="9525">
+              <a14:hiddenLine xmlns:a14="http://schemas.microsoft.com/office/drawing/2010/main" xmlns="" w="9525">
                 <a:solidFill>
                   <a:schemeClr val="tx1"/>
                 </a:solidFill>
@@ -17723,7 +19722,7 @@
               </a14:hiddenLine>
             </a:ext>
             <a:ext uri="{AF507438-7753-43E0-B8FC-AC1667EBCBE1}">
-              <a14:hiddenEffects xmlns:a14="http://schemas.microsoft.com/office/drawing/2010/main">
+              <a14:hiddenEffects xmlns:a14="http://schemas.microsoft.com/office/drawing/2010/main" xmlns="">
                 <a:effectLst>
                   <a:outerShdw dist="35921" dir="2700000" algn="ctr" rotWithShape="0">
                     <a:schemeClr val="bg2"/>
@@ -17772,7 +19771,7 @@
     </p:spTree>
     <p:extLst>
       <p:ext uri="{BB962C8B-B14F-4D97-AF65-F5344CB8AC3E}">
-        <p14:creationId xmlns:p14="http://schemas.microsoft.com/office/powerpoint/2010/main" val="2633908682"/>
+        <p14:creationId xmlns:p14="http://schemas.microsoft.com/office/powerpoint/2010/main" xmlns="" val="2633908682"/>
       </p:ext>
     </p:extLst>
   </p:cSld>
@@ -18018,15 +20017,7 @@
             </a:r>
             <a:r>
               <a:rPr lang="de-DE" dirty="0"/>
-              <a:t> </a:t>
-            </a:r>
-            <a:r>
-              <a:rPr lang="de-DE" dirty="0" err="1"/>
-              <a:t>for</a:t>
-            </a:r>
-            <a:r>
-              <a:rPr lang="de-DE" dirty="0"/>
-              <a:t> </a:t>
+              <a:t> for </a:t>
             </a:r>
             <a:r>
               <a:rPr lang="de-DE" dirty="0" err="1"/>
@@ -18085,23 +20076,7 @@
             </a:r>
             <a:r>
               <a:rPr lang="de-DE" dirty="0"/>
-              <a:t> </a:t>
-            </a:r>
-            <a:r>
-              <a:rPr lang="de-DE" dirty="0" err="1"/>
-              <a:t>Deep</a:t>
-            </a:r>
-            <a:r>
-              <a:rPr lang="de-DE" dirty="0"/>
-              <a:t> Models </a:t>
-            </a:r>
-            <a:r>
-              <a:rPr lang="de-DE" dirty="0" err="1"/>
-              <a:t>for</a:t>
-            </a:r>
-            <a:r>
-              <a:rPr lang="de-DE" dirty="0"/>
-              <a:t> </a:t>
+              <a:t> Deep Models for </a:t>
             </a:r>
             <a:r>
               <a:rPr lang="de-DE" dirty="0" err="1"/>
@@ -18235,7 +20210,7 @@
     </p:spTree>
     <p:extLst>
       <p:ext uri="{BB962C8B-B14F-4D97-AF65-F5344CB8AC3E}">
-        <p14:creationId xmlns:p14="http://schemas.microsoft.com/office/powerpoint/2010/main" val="669835294"/>
+        <p14:creationId xmlns:p14="http://schemas.microsoft.com/office/powerpoint/2010/main" xmlns="" val="669835294"/>
       </p:ext>
     </p:extLst>
   </p:cSld>
@@ -18342,10 +20317,9 @@
               </a:spcBef>
             </a:pPr>
             <a:r>
-              <a:rPr lang="de-DE" b="1" smtClean="0"/>
+              <a:rPr lang="de-DE" b="1" dirty="0" smtClean="0"/>
               <a:t>Autoencoders</a:t>
             </a:r>
-            <a:endParaRPr lang="de-DE" b="1" dirty="0" smtClean="0"/>
           </a:p>
           <a:p>
             <a:pPr marL="444500" indent="-285750">
@@ -18359,9 +20333,18 @@
               <a:buChar char="§"/>
             </a:pPr>
             <a:r>
-              <a:rPr lang="de-DE" sz="1500" smtClean="0"/>
-              <a:t>Unsupervised Learning Algorithm</a:t>
-            </a:r>
+              <a:rPr lang="de-DE" sz="1500" dirty="0" err="1" smtClean="0"/>
+              <a:t>Unsupervised</a:t>
+            </a:r>
+            <a:r>
+              <a:rPr lang="de-DE" sz="1500" dirty="0" smtClean="0"/>
+              <a:t> Learning </a:t>
+            </a:r>
+            <a:r>
+              <a:rPr lang="de-DE" sz="1500" dirty="0" err="1" smtClean="0"/>
+              <a:t>Algorithm</a:t>
+            </a:r>
+            <a:endParaRPr lang="de-DE" sz="1500" dirty="0" smtClean="0"/>
           </a:p>
           <a:p>
             <a:pPr marL="444500" indent="-285750">
@@ -18375,29 +20358,130 @@
               <a:buChar char="§"/>
             </a:pPr>
             <a:r>
-              <a:rPr lang="de-DE" sz="1500" smtClean="0"/>
-              <a:t>Given an input </a:t>
-            </a:r>
-            <a:r>
-              <a:rPr lang="de-DE" sz="1500" i="1" smtClean="0"/>
+              <a:rPr lang="de-DE" sz="1500" dirty="0" err="1" smtClean="0"/>
+              <a:t>Given</a:t>
+            </a:r>
+            <a:r>
+              <a:rPr lang="de-DE" sz="1500" dirty="0" smtClean="0"/>
+              <a:t> an </a:t>
+            </a:r>
+            <a:r>
+              <a:rPr lang="de-DE" sz="1500" dirty="0" err="1" smtClean="0"/>
+              <a:t>input</a:t>
+            </a:r>
+            <a:r>
+              <a:rPr lang="de-DE" sz="1500" dirty="0" smtClean="0"/>
+              <a:t> </a:t>
+            </a:r>
+            <a:r>
+              <a:rPr lang="de-DE" sz="1500" i="1" dirty="0" smtClean="0"/>
               <a:t>x</a:t>
             </a:r>
             <a:r>
-              <a:rPr lang="de-DE" sz="1500"/>
-              <a:t>, we learn a </a:t>
-            </a:r>
-            <a:r>
-              <a:rPr lang="de-DE" sz="1500" i="1"/>
+              <a:rPr lang="de-DE" sz="1500" dirty="0"/>
+              <a:t>, </a:t>
+            </a:r>
+            <a:r>
+              <a:rPr lang="de-DE" sz="1500" dirty="0" err="1"/>
+              <a:t>we</a:t>
+            </a:r>
+            <a:r>
+              <a:rPr lang="de-DE" sz="1500" dirty="0"/>
+              <a:t> </a:t>
+            </a:r>
+            <a:r>
+              <a:rPr lang="de-DE" sz="1500" dirty="0" err="1"/>
+              <a:t>learn</a:t>
+            </a:r>
+            <a:r>
+              <a:rPr lang="de-DE" sz="1500" dirty="0"/>
+              <a:t> a </a:t>
+            </a:r>
+            <a:r>
+              <a:rPr lang="de-DE" sz="1500" i="1" dirty="0" err="1"/>
               <a:t>compressed</a:t>
             </a:r>
             <a:r>
-              <a:rPr lang="de-DE" sz="1500"/>
-              <a:t> </a:t>
-            </a:r>
-            <a:r>
-              <a:rPr lang="de-DE" sz="1500" smtClean="0"/>
-              <a:t>representation of the input, which we then try to reconstruct</a:t>
-            </a:r>
+              <a:rPr lang="de-DE" sz="1500" dirty="0"/>
+              <a:t> </a:t>
+            </a:r>
+            <a:r>
+              <a:rPr lang="de-DE" sz="1500" dirty="0" err="1" smtClean="0"/>
+              <a:t>representation</a:t>
+            </a:r>
+            <a:r>
+              <a:rPr lang="de-DE" sz="1500" dirty="0" smtClean="0"/>
+              <a:t> </a:t>
+            </a:r>
+            <a:r>
+              <a:rPr lang="de-DE" sz="1500" dirty="0" err="1" smtClean="0"/>
+              <a:t>of</a:t>
+            </a:r>
+            <a:r>
+              <a:rPr lang="de-DE" sz="1500" dirty="0" smtClean="0"/>
+              <a:t> </a:t>
+            </a:r>
+            <a:r>
+              <a:rPr lang="de-DE" sz="1500" dirty="0" err="1" smtClean="0"/>
+              <a:t>the</a:t>
+            </a:r>
+            <a:r>
+              <a:rPr lang="de-DE" sz="1500" dirty="0" smtClean="0"/>
+              <a:t> </a:t>
+            </a:r>
+            <a:r>
+              <a:rPr lang="de-DE" sz="1500" dirty="0" err="1" smtClean="0"/>
+              <a:t>input</a:t>
+            </a:r>
+            <a:r>
+              <a:rPr lang="de-DE" sz="1500" dirty="0" smtClean="0"/>
+              <a:t>, </a:t>
+            </a:r>
+            <a:r>
+              <a:rPr lang="de-DE" sz="1500" dirty="0" err="1" smtClean="0"/>
+              <a:t>which</a:t>
+            </a:r>
+            <a:r>
+              <a:rPr lang="de-DE" sz="1500" dirty="0" smtClean="0"/>
+              <a:t> </a:t>
+            </a:r>
+            <a:r>
+              <a:rPr lang="de-DE" sz="1500" dirty="0" err="1" smtClean="0"/>
+              <a:t>we</a:t>
+            </a:r>
+            <a:r>
+              <a:rPr lang="de-DE" sz="1500" dirty="0" smtClean="0"/>
+              <a:t> </a:t>
+            </a:r>
+            <a:r>
+              <a:rPr lang="de-DE" sz="1500" dirty="0" err="1" smtClean="0"/>
+              <a:t>then</a:t>
+            </a:r>
+            <a:r>
+              <a:rPr lang="de-DE" sz="1500" dirty="0" smtClean="0"/>
+              <a:t> </a:t>
+            </a:r>
+            <a:r>
+              <a:rPr lang="de-DE" sz="1500" dirty="0" err="1" smtClean="0"/>
+              <a:t>try</a:t>
+            </a:r>
+            <a:r>
+              <a:rPr lang="de-DE" sz="1500" dirty="0" smtClean="0"/>
+              <a:t> </a:t>
+            </a:r>
+            <a:r>
+              <a:rPr lang="de-DE" sz="1500" dirty="0" err="1" smtClean="0"/>
+              <a:t>to</a:t>
+            </a:r>
+            <a:r>
+              <a:rPr lang="de-DE" sz="1500" dirty="0" smtClean="0"/>
+              <a:t> </a:t>
+            </a:r>
+            <a:r>
+              <a:rPr lang="de-DE" sz="1500" dirty="0" err="1" smtClean="0"/>
+              <a:t>reconstruct</a:t>
+            </a:r>
+            <a:endParaRPr lang="de-DE" sz="1500" dirty="0" smtClean="0"/>
           </a:p>
           <a:p>
             <a:pPr marL="444500" indent="-285750">
@@ -18411,8 +20495,88 @@
               <a:buChar char="§"/>
             </a:pPr>
             <a:r>
-              <a:rPr lang="de-DE" sz="1500" smtClean="0"/>
-              <a:t>In the simpliest form: Feed forward network with hidden size &lt; input size.</a:t>
+              <a:rPr lang="de-DE" sz="1500" dirty="0" smtClean="0"/>
+              <a:t>In </a:t>
+            </a:r>
+            <a:r>
+              <a:rPr lang="de-DE" sz="1500" dirty="0" err="1" smtClean="0"/>
+              <a:t>the</a:t>
+            </a:r>
+            <a:r>
+              <a:rPr lang="de-DE" sz="1500" dirty="0" smtClean="0"/>
+              <a:t> </a:t>
+            </a:r>
+            <a:r>
+              <a:rPr lang="de-DE" sz="1500" dirty="0" err="1" smtClean="0"/>
+              <a:t>simpliest</a:t>
+            </a:r>
+            <a:r>
+              <a:rPr lang="de-DE" sz="1500" dirty="0" smtClean="0"/>
+              <a:t> form: </a:t>
+            </a:r>
+            <a:r>
+              <a:rPr lang="de-DE" sz="1500" dirty="0" err="1" smtClean="0"/>
+              <a:t>Feed</a:t>
+            </a:r>
+            <a:r>
+              <a:rPr lang="de-DE" sz="1500" dirty="0" smtClean="0"/>
+              <a:t> </a:t>
+            </a:r>
+            <a:r>
+              <a:rPr lang="de-DE" sz="1500" dirty="0" err="1" smtClean="0"/>
+              <a:t>forward</a:t>
+            </a:r>
+            <a:r>
+              <a:rPr lang="de-DE" sz="1500" dirty="0" smtClean="0"/>
+              <a:t> </a:t>
+            </a:r>
+            <a:r>
+              <a:rPr lang="de-DE" sz="1500" dirty="0" err="1" smtClean="0"/>
+              <a:t>network</a:t>
+            </a:r>
+            <a:r>
+              <a:rPr lang="de-DE" sz="1500" dirty="0" smtClean="0"/>
+              <a:t> </a:t>
+            </a:r>
+            <a:r>
+              <a:rPr lang="de-DE" sz="1500" dirty="0" err="1" smtClean="0"/>
+              <a:t>with</a:t>
+            </a:r>
+            <a:r>
+              <a:rPr lang="de-DE" sz="1500" dirty="0" smtClean="0"/>
+              <a:t> </a:t>
+            </a:r>
+            <a:r>
+              <a:rPr lang="de-DE" sz="1500" dirty="0" err="1" smtClean="0"/>
+              <a:t>hidden</a:t>
+            </a:r>
+            <a:r>
+              <a:rPr lang="de-DE" sz="1500" dirty="0" smtClean="0"/>
+              <a:t> </a:t>
+            </a:r>
+            <a:r>
+              <a:rPr lang="de-DE" sz="1500" dirty="0" err="1" smtClean="0"/>
+              <a:t>size</a:t>
+            </a:r>
+            <a:r>
+              <a:rPr lang="de-DE" sz="1500" dirty="0" smtClean="0"/>
+              <a:t> &lt; </a:t>
+            </a:r>
+            <a:r>
+              <a:rPr lang="de-DE" sz="1500" dirty="0" err="1" smtClean="0"/>
+              <a:t>input</a:t>
+            </a:r>
+            <a:r>
+              <a:rPr lang="de-DE" sz="1500" dirty="0" smtClean="0"/>
+              <a:t> </a:t>
+            </a:r>
+            <a:r>
+              <a:rPr lang="de-DE" sz="1500" dirty="0" err="1" smtClean="0"/>
+              <a:t>size</a:t>
+            </a:r>
+            <a:r>
+              <a:rPr lang="de-DE" sz="1500" dirty="0" smtClean="0"/>
+              <a:t>.</a:t>
             </a:r>
           </a:p>
           <a:p>
@@ -18427,23 +20591,72 @@
               <a:buChar char="§"/>
             </a:pPr>
             <a:r>
-              <a:rPr lang="de-DE" sz="1500" smtClean="0"/>
-              <a:t>We then search for parameters such that:</a:t>
+              <a:rPr lang="de-DE" sz="1500" dirty="0" err="1" smtClean="0"/>
+              <a:t>We</a:t>
+            </a:r>
+            <a:r>
+              <a:rPr lang="de-DE" sz="1500" dirty="0" smtClean="0"/>
+              <a:t> </a:t>
+            </a:r>
+            <a:r>
+              <a:rPr lang="de-DE" sz="1500" dirty="0" err="1" smtClean="0"/>
+              <a:t>then</a:t>
+            </a:r>
+            <a:r>
+              <a:rPr lang="de-DE" sz="1500" dirty="0" smtClean="0"/>
+              <a:t> </a:t>
+            </a:r>
+            <a:r>
+              <a:rPr lang="de-DE" sz="1500" dirty="0" err="1" smtClean="0"/>
+              <a:t>search</a:t>
+            </a:r>
+            <a:r>
+              <a:rPr lang="de-DE" sz="1500" dirty="0" smtClean="0"/>
+              <a:t> for </a:t>
+            </a:r>
+            <a:r>
+              <a:rPr lang="de-DE" sz="1500" dirty="0" err="1" smtClean="0"/>
+              <a:t>parameters</a:t>
+            </a:r>
+            <a:r>
+              <a:rPr lang="de-DE" sz="1500" dirty="0" smtClean="0"/>
+              <a:t> such </a:t>
+            </a:r>
+            <a:r>
+              <a:rPr lang="de-DE" sz="1500" dirty="0" err="1" smtClean="0"/>
+              <a:t>that</a:t>
+            </a:r>
+            <a:r>
+              <a:rPr lang="de-DE" sz="1500" dirty="0" smtClean="0"/>
+              <a:t>:</a:t>
             </a:r>
             <a:br>
-              <a:rPr lang="de-DE" sz="1500" smtClean="0"/>
+              <a:rPr lang="de-DE" sz="1500" dirty="0" smtClean="0"/>
             </a:br>
             <a:r>
-              <a:rPr lang="de-DE" sz="1500" smtClean="0"/>
+              <a:rPr lang="de-DE" sz="1500" dirty="0" smtClean="0"/>
               <a:t/>
             </a:r>
             <a:br>
-              <a:rPr lang="de-DE" sz="1500" smtClean="0"/>
+              <a:rPr lang="de-DE" sz="1500" dirty="0" smtClean="0"/>
             </a:br>
             <a:r>
-              <a:rPr lang="de-DE" sz="1500" smtClean="0"/>
-              <a:t>for all training examples</a:t>
-            </a:r>
+              <a:rPr lang="de-DE" sz="1500" dirty="0" smtClean="0"/>
+              <a:t>for all </a:t>
+            </a:r>
+            <a:r>
+              <a:rPr lang="de-DE" sz="1500" dirty="0" err="1" smtClean="0"/>
+              <a:t>training</a:t>
+            </a:r>
+            <a:r>
+              <a:rPr lang="de-DE" sz="1500" dirty="0" smtClean="0"/>
+              <a:t> </a:t>
+            </a:r>
+            <a:r>
+              <a:rPr lang="de-DE" sz="1500" dirty="0" err="1" smtClean="0"/>
+              <a:t>examples</a:t>
+            </a:r>
+            <a:endParaRPr lang="de-DE" sz="1500" dirty="0" smtClean="0"/>
           </a:p>
           <a:p>
             <a:pPr marL="444500" indent="-285750">
@@ -18457,18 +20670,42 @@
               <a:buChar char="§"/>
             </a:pPr>
             <a:r>
-              <a:rPr lang="de-DE" sz="1500" smtClean="0"/>
-              <a:t>The error function is:</a:t>
+              <a:rPr lang="de-DE" sz="1500" dirty="0" smtClean="0"/>
+              <a:t>The </a:t>
+            </a:r>
+            <a:r>
+              <a:rPr lang="de-DE" sz="1500" dirty="0" err="1" smtClean="0"/>
+              <a:t>error</a:t>
+            </a:r>
+            <a:r>
+              <a:rPr lang="de-DE" sz="1500" dirty="0" smtClean="0"/>
+              <a:t> </a:t>
+            </a:r>
+            <a:r>
+              <a:rPr lang="de-DE" sz="1500" dirty="0" err="1" smtClean="0"/>
+              <a:t>function</a:t>
+            </a:r>
+            <a:r>
+              <a:rPr lang="de-DE" sz="1500" dirty="0" smtClean="0"/>
+              <a:t> </a:t>
+            </a:r>
+            <a:r>
+              <a:rPr lang="de-DE" sz="1500" dirty="0" err="1" smtClean="0"/>
+              <a:t>is</a:t>
+            </a:r>
+            <a:r>
+              <a:rPr lang="de-DE" sz="1500" dirty="0" smtClean="0"/>
+              <a:t>:</a:t>
             </a:r>
             <a:br>
-              <a:rPr lang="de-DE" sz="1500" smtClean="0"/>
+              <a:rPr lang="de-DE" sz="1500" dirty="0" smtClean="0"/>
             </a:br>
             <a:r>
-              <a:rPr lang="de-DE" sz="1500" smtClean="0"/>
+              <a:rPr lang="de-DE" sz="1500" dirty="0" smtClean="0"/>
               <a:t/>
             </a:r>
             <a:br>
-              <a:rPr lang="de-DE" sz="1500" smtClean="0"/>
+              <a:rPr lang="de-DE" sz="1500" dirty="0" smtClean="0"/>
             </a:br>
             <a:endParaRPr lang="de-DE" sz="1500" dirty="0"/>
           </a:p>
@@ -18484,9 +20721,130 @@
               <a:buChar char="§"/>
             </a:pPr>
             <a:r>
-              <a:rPr lang="de-DE" sz="1500" smtClean="0"/>
-              <a:t>Once we finished training, we are interested in the compressed representation, i.e. the values of the hidden units</a:t>
-            </a:r>
+              <a:rPr lang="de-DE" sz="1500" dirty="0" err="1" smtClean="0"/>
+              <a:t>Once</a:t>
+            </a:r>
+            <a:r>
+              <a:rPr lang="de-DE" sz="1500" dirty="0" smtClean="0"/>
+              <a:t> </a:t>
+            </a:r>
+            <a:r>
+              <a:rPr lang="de-DE" sz="1500" dirty="0" err="1" smtClean="0"/>
+              <a:t>we</a:t>
+            </a:r>
+            <a:r>
+              <a:rPr lang="de-DE" sz="1500" dirty="0" smtClean="0"/>
+              <a:t> </a:t>
+            </a:r>
+            <a:r>
+              <a:rPr lang="de-DE" sz="1500" dirty="0" err="1" smtClean="0"/>
+              <a:t>finished</a:t>
+            </a:r>
+            <a:r>
+              <a:rPr lang="de-DE" sz="1500" dirty="0" smtClean="0"/>
+              <a:t> </a:t>
+            </a:r>
+            <a:r>
+              <a:rPr lang="de-DE" sz="1500" dirty="0" err="1" smtClean="0"/>
+              <a:t>training</a:t>
+            </a:r>
+            <a:r>
+              <a:rPr lang="de-DE" sz="1500" dirty="0" smtClean="0"/>
+              <a:t>, </a:t>
+            </a:r>
+            <a:r>
+              <a:rPr lang="de-DE" sz="1500" dirty="0" err="1" smtClean="0"/>
+              <a:t>we</a:t>
+            </a:r>
+            <a:r>
+              <a:rPr lang="de-DE" sz="1500" dirty="0" smtClean="0"/>
+              <a:t> </a:t>
+            </a:r>
+            <a:r>
+              <a:rPr lang="de-DE" sz="1500" dirty="0" err="1" smtClean="0"/>
+              <a:t>are</a:t>
+            </a:r>
+            <a:r>
+              <a:rPr lang="de-DE" sz="1500" dirty="0" smtClean="0"/>
+              <a:t> </a:t>
+            </a:r>
+            <a:r>
+              <a:rPr lang="de-DE" sz="1500" dirty="0" err="1" smtClean="0"/>
+              <a:t>interested</a:t>
+            </a:r>
+            <a:r>
+              <a:rPr lang="de-DE" sz="1500" dirty="0" smtClean="0"/>
+              <a:t> in </a:t>
+            </a:r>
+            <a:r>
+              <a:rPr lang="de-DE" sz="1500" dirty="0" err="1" smtClean="0"/>
+              <a:t>the</a:t>
+            </a:r>
+            <a:r>
+              <a:rPr lang="de-DE" sz="1500" dirty="0" smtClean="0"/>
+              <a:t> </a:t>
+            </a:r>
+            <a:r>
+              <a:rPr lang="de-DE" sz="1500" dirty="0" err="1" smtClean="0"/>
+              <a:t>compressed</a:t>
+            </a:r>
+            <a:r>
+              <a:rPr lang="de-DE" sz="1500" dirty="0" smtClean="0"/>
+              <a:t> </a:t>
+            </a:r>
+            <a:r>
+              <a:rPr lang="de-DE" sz="1500" dirty="0" err="1" smtClean="0"/>
+              <a:t>representation</a:t>
+            </a:r>
+            <a:r>
+              <a:rPr lang="de-DE" sz="1500" dirty="0" smtClean="0"/>
+              <a:t>, i.e. </a:t>
+            </a:r>
+            <a:r>
+              <a:rPr lang="de-DE" sz="1500" dirty="0" err="1" smtClean="0"/>
+              <a:t>the</a:t>
+            </a:r>
+            <a:r>
+              <a:rPr lang="de-DE" sz="1500" dirty="0" smtClean="0"/>
+              <a:t> </a:t>
+            </a:r>
+            <a:r>
+              <a:rPr lang="de-DE" sz="1500" dirty="0" err="1" smtClean="0"/>
+              <a:t>values</a:t>
+            </a:r>
+            <a:r>
+              <a:rPr lang="de-DE" sz="1500" dirty="0" smtClean="0"/>
+              <a:t> </a:t>
+            </a:r>
+            <a:r>
+              <a:rPr lang="de-DE" sz="1500" dirty="0" err="1" smtClean="0"/>
+              <a:t>of</a:t>
+            </a:r>
+            <a:r>
+              <a:rPr lang="de-DE" sz="1500" dirty="0" smtClean="0"/>
+              <a:t> </a:t>
+            </a:r>
+            <a:r>
+              <a:rPr lang="de-DE" sz="1500" dirty="0" err="1" smtClean="0"/>
+              <a:t>the</a:t>
+            </a:r>
+            <a:r>
+              <a:rPr lang="de-DE" sz="1500" dirty="0" smtClean="0"/>
+              <a:t> </a:t>
+            </a:r>
+            <a:r>
+              <a:rPr lang="de-DE" sz="1500" dirty="0" err="1" smtClean="0"/>
+              <a:t>hidden</a:t>
+            </a:r>
+            <a:r>
+              <a:rPr lang="de-DE" sz="1500" dirty="0" smtClean="0"/>
+              <a:t> </a:t>
+            </a:r>
+            <a:r>
+              <a:rPr lang="de-DE" sz="1500" dirty="0" err="1" smtClean="0"/>
+              <a:t>units</a:t>
+            </a:r>
+            <a:endParaRPr lang="de-DE" sz="1500" dirty="0" smtClean="0"/>
           </a:p>
           <a:p>
             <a:pPr marL="444500" indent="-285750">
@@ -18499,7 +20857,7 @@
               <a:buFont typeface="Wingdings" pitchFamily="2" charset="2"/>
               <a:buChar char="§"/>
             </a:pPr>
-            <a:endParaRPr lang="de-DE" sz="1600" smtClean="0"/>
+            <a:endParaRPr lang="de-DE" sz="1600" dirty="0" smtClean="0"/>
           </a:p>
         </p:txBody>
       </p:sp>
@@ -18546,7 +20904,7 @@
           <a:blip r:embed="rId4">
             <a:extLst>
               <a:ext uri="{28A0092B-C50C-407E-A947-70E740481C1C}">
-                <a14:useLocalDpi xmlns:a14="http://schemas.microsoft.com/office/drawing/2010/main" val="0"/>
+                <a14:useLocalDpi xmlns:a14="http://schemas.microsoft.com/office/drawing/2010/main" xmlns="" val="0"/>
               </a:ext>
             </a:extLst>
           </a:blip>
@@ -18570,14 +20928,14 @@
           <a:effectLst/>
           <a:extLst>
             <a:ext uri="{909E8E84-426E-40DD-AFC4-6F175D3DCCD1}">
-              <a14:hiddenFill xmlns:a14="http://schemas.microsoft.com/office/drawing/2010/main">
+              <a14:hiddenFill xmlns:a14="http://schemas.microsoft.com/office/drawing/2010/main" xmlns="">
                 <a:solidFill>
                   <a:schemeClr val="accent1"/>
                 </a:solidFill>
               </a14:hiddenFill>
             </a:ext>
             <a:ext uri="{91240B29-F687-4F45-9708-019B960494DF}">
-              <a14:hiddenLine xmlns:a14="http://schemas.microsoft.com/office/drawing/2010/main" w="9525">
+              <a14:hiddenLine xmlns:a14="http://schemas.microsoft.com/office/drawing/2010/main" xmlns="" w="9525">
                 <a:solidFill>
                   <a:schemeClr val="tx1"/>
                 </a:solidFill>
@@ -18587,7 +20945,7 @@
               </a14:hiddenLine>
             </a:ext>
             <a:ext uri="{AF507438-7753-43E0-B8FC-AC1667EBCBE1}">
-              <a14:hiddenEffects xmlns:a14="http://schemas.microsoft.com/office/drawing/2010/main">
+              <a14:hiddenEffects xmlns:a14="http://schemas.microsoft.com/office/drawing/2010/main" xmlns="">
                 <a:effectLst>
                   <a:outerShdw dist="35921" dir="2700000" algn="ctr" rotWithShape="0">
                     <a:schemeClr val="bg2"/>
@@ -18614,7 +20972,7 @@
           <a:blip r:embed="rId5" cstate="print">
             <a:extLst>
               <a:ext uri="{28A0092B-C50C-407E-A947-70E740481C1C}">
-                <a14:useLocalDpi xmlns:a14="http://schemas.microsoft.com/office/drawing/2010/main" val="0"/>
+                <a14:useLocalDpi xmlns:a14="http://schemas.microsoft.com/office/drawing/2010/main" xmlns="" val="0"/>
               </a:ext>
             </a:extLst>
           </a:blip>
@@ -18648,7 +21006,7 @@
           <a:blip r:embed="rId6" cstate="print">
             <a:extLst>
               <a:ext uri="{28A0092B-C50C-407E-A947-70E740481C1C}">
-                <a14:useLocalDpi xmlns:a14="http://schemas.microsoft.com/office/drawing/2010/main" val="0"/>
+                <a14:useLocalDpi xmlns:a14="http://schemas.microsoft.com/office/drawing/2010/main" xmlns="" val="0"/>
               </a:ext>
             </a:extLst>
           </a:blip>
@@ -18702,7 +21060,7 @@
     </p:spTree>
     <p:extLst>
       <p:ext uri="{BB962C8B-B14F-4D97-AF65-F5344CB8AC3E}">
-        <p14:creationId xmlns:p14="http://schemas.microsoft.com/office/powerpoint/2010/main" val="1418455679"/>
+        <p14:creationId xmlns:p14="http://schemas.microsoft.com/office/powerpoint/2010/main" xmlns="" val="1418455679"/>
       </p:ext>
     </p:extLst>
   </p:cSld>
@@ -18819,7 +21177,7 @@
           <a:blip r:embed="rId2">
             <a:extLst>
               <a:ext uri="{28A0092B-C50C-407E-A947-70E740481C1C}">
-                <a14:useLocalDpi xmlns:a14="http://schemas.microsoft.com/office/drawing/2010/main" val="0"/>
+                <a14:useLocalDpi xmlns:a14="http://schemas.microsoft.com/office/drawing/2010/main" xmlns="" val="0"/>
               </a:ext>
             </a:extLst>
           </a:blip>
@@ -18843,14 +21201,14 @@
           <a:effectLst/>
           <a:extLst>
             <a:ext uri="{909E8E84-426E-40DD-AFC4-6F175D3DCCD1}">
-              <a14:hiddenFill xmlns:a14="http://schemas.microsoft.com/office/drawing/2010/main">
+              <a14:hiddenFill xmlns:a14="http://schemas.microsoft.com/office/drawing/2010/main" xmlns="">
                 <a:solidFill>
                   <a:schemeClr val="accent1"/>
                 </a:solidFill>
               </a14:hiddenFill>
             </a:ext>
             <a:ext uri="{91240B29-F687-4F45-9708-019B960494DF}">
-              <a14:hiddenLine xmlns:a14="http://schemas.microsoft.com/office/drawing/2010/main" w="9525">
+              <a14:hiddenLine xmlns:a14="http://schemas.microsoft.com/office/drawing/2010/main" xmlns="" w="9525">
                 <a:solidFill>
                   <a:schemeClr val="tx1"/>
                 </a:solidFill>
@@ -18860,7 +21218,7 @@
               </a14:hiddenLine>
             </a:ext>
             <a:ext uri="{AF507438-7753-43E0-B8FC-AC1667EBCBE1}">
-              <a14:hiddenEffects xmlns:a14="http://schemas.microsoft.com/office/drawing/2010/main">
+              <a14:hiddenEffects xmlns:a14="http://schemas.microsoft.com/office/drawing/2010/main" xmlns="">
                 <a:effectLst>
                   <a:outerShdw dist="35921" dir="2700000" algn="ctr" rotWithShape="0">
                     <a:schemeClr val="bg2"/>
@@ -18874,7 +21232,7 @@
     </p:spTree>
     <p:extLst>
       <p:ext uri="{BB962C8B-B14F-4D97-AF65-F5344CB8AC3E}">
-        <p14:creationId xmlns:p14="http://schemas.microsoft.com/office/powerpoint/2010/main" val="820878383"/>
+        <p14:creationId xmlns:p14="http://schemas.microsoft.com/office/powerpoint/2010/main" xmlns="" val="820878383"/>
       </p:ext>
     </p:extLst>
   </p:cSld>
